--- a/03. Entity Framework/Entity Framework.pptx
+++ b/03. Entity Framework/Entity Framework.pptx
@@ -332,7 +332,7 @@
               <a:pPr>
                 <a:defRPr/>
               </a:pPr>
-              <a:t>30.01.2017</a:t>
+              <a:t>24.02.2017</a:t>
             </a:fld>
             <a:endParaRPr lang="de-DE" dirty="0"/>
           </a:p>
@@ -531,7 +531,7 @@
               <a:pPr>
                 <a:defRPr/>
               </a:pPr>
-              <a:t>2017-01-30</a:t>
+              <a:t>2017-02-24</a:t>
             </a:fld>
             <a:endParaRPr lang="sv-SE"/>
           </a:p>
@@ -4774,11 +4774,7 @@
           <a:p>
             <a:r>
               <a:rPr lang="de-DE" dirty="0" smtClean="0"/>
-              <a:t>Übersicht </a:t>
-            </a:r>
-            <a:r>
-              <a:rPr lang="de-DE" dirty="0" smtClean="0"/>
-              <a:t>über die verschiedenen Ansätze</a:t>
+              <a:t>Übersicht über die verschiedenen Ansätze</a:t>
             </a:r>
             <a:endParaRPr lang="de-DE" dirty="0"/>
           </a:p>
@@ -4801,13 +4797,8 @@
           <a:p>
             <a:r>
               <a:rPr lang="de-DE" dirty="0" smtClean="0"/>
-              <a:t>Vier verschiedene </a:t>
-            </a:r>
-            <a:r>
-              <a:rPr lang="de-DE" dirty="0" smtClean="0"/>
-              <a:t>Ansätze</a:t>
-            </a:r>
-            <a:endParaRPr lang="de-DE" dirty="0" smtClean="0"/>
+              <a:t>Vier verschiedene Ansätze</a:t>
+            </a:r>
           </a:p>
           <a:p>
             <a:r>
@@ -4974,9 +4965,27 @@
                 <a:tableStyleId>{0660B408-B3CF-4A94-85FC-2B1E0A45F4A2}</a:tableStyleId>
               </a:tblPr>
               <a:tblGrid>
-                <a:gridCol w="3653367"/>
-                <a:gridCol w="3653367"/>
-                <a:gridCol w="3653367"/>
+                <a:gridCol w="3653367">
+                  <a:extLst>
+                    <a:ext uri="{9D8B030D-6E8A-4147-A177-3AD203B41FA5}">
+                      <a16:colId xmlns:a16="http://schemas.microsoft.com/office/drawing/2014/main" val="20000"/>
+                    </a:ext>
+                  </a:extLst>
+                </a:gridCol>
+                <a:gridCol w="3653367">
+                  <a:extLst>
+                    <a:ext uri="{9D8B030D-6E8A-4147-A177-3AD203B41FA5}">
+                      <a16:colId xmlns:a16="http://schemas.microsoft.com/office/drawing/2014/main" val="20001"/>
+                    </a:ext>
+                  </a:extLst>
+                </a:gridCol>
+                <a:gridCol w="3653367">
+                  <a:extLst>
+                    <a:ext uri="{9D8B030D-6E8A-4147-A177-3AD203B41FA5}">
+                      <a16:colId xmlns:a16="http://schemas.microsoft.com/office/drawing/2014/main" val="20002"/>
+                    </a:ext>
+                  </a:extLst>
+                </a:gridCol>
               </a:tblGrid>
               <a:tr h="657850">
                 <a:tc>
@@ -5019,6 +5028,11 @@
                   </a:txBody>
                   <a:tcPr/>
                 </a:tc>
+                <a:extLst>
+                  <a:ext uri="{0D108BD9-81ED-4DB2-BD59-A6C34878D82A}">
+                    <a16:rowId xmlns:a16="http://schemas.microsoft.com/office/drawing/2014/main" val="10000"/>
+                  </a:ext>
+                </a:extLst>
               </a:tr>
               <a:tr h="657850">
                 <a:tc>
@@ -5066,6 +5080,11 @@
                   </a:txBody>
                   <a:tcPr/>
                 </a:tc>
+                <a:extLst>
+                  <a:ext uri="{0D108BD9-81ED-4DB2-BD59-A6C34878D82A}">
+                    <a16:rowId xmlns:a16="http://schemas.microsoft.com/office/drawing/2014/main" val="10001"/>
+                  </a:ext>
+                </a:extLst>
               </a:tr>
               <a:tr h="1163888">
                 <a:tc>
@@ -5113,6 +5132,11 @@
                   </a:txBody>
                   <a:tcPr/>
                 </a:tc>
+                <a:extLst>
+                  <a:ext uri="{0D108BD9-81ED-4DB2-BD59-A6C34878D82A}">
+                    <a16:rowId xmlns:a16="http://schemas.microsoft.com/office/drawing/2014/main" val="10002"/>
+                  </a:ext>
+                </a:extLst>
               </a:tr>
             </a:tbl>
           </a:graphicData>
@@ -5362,13 +5386,8 @@
           <a:p>
             <a:r>
               <a:rPr lang="de-DE" dirty="0" smtClean="0"/>
-              <a:t>Kurze Einführungsdemos in folgende </a:t>
-            </a:r>
-            <a:r>
-              <a:rPr lang="de-DE" dirty="0" smtClean="0"/>
-              <a:t>Ansätze</a:t>
-            </a:r>
-            <a:endParaRPr lang="de-DE" dirty="0" smtClean="0"/>
+              <a:t>Kurze Einführungsdemos in folgende Ansätze</a:t>
+            </a:r>
           </a:p>
           <a:p>
             <a:pPr lvl="1"/>
@@ -6259,7 +6278,7 @@
           <p:nvPr>
             <p:extLst>
               <p:ext uri="{D42A27DB-BD31-4B8C-83A1-F6EECF244321}">
-                <p14:modId xmlns:p14="http://schemas.microsoft.com/office/powerpoint/2010/main" val="248519484"/>
+                <p14:modId xmlns:p14="http://schemas.microsoft.com/office/powerpoint/2010/main" val="3351408666"/>
               </p:ext>
             </p:extLst>
           </p:nvPr>
@@ -6275,8 +6294,20 @@
                 <a:tableStyleId>{B301B821-A1FF-4177-AEE7-76D212191A09}</a:tableStyleId>
               </a:tblPr>
               <a:tblGrid>
-                <a:gridCol w="1357132"/>
-                <a:gridCol w="7571045"/>
+                <a:gridCol w="1357132">
+                  <a:extLst>
+                    <a:ext uri="{9D8B030D-6E8A-4147-A177-3AD203B41FA5}">
+                      <a16:colId xmlns:a16="http://schemas.microsoft.com/office/drawing/2014/main" val="20000"/>
+                    </a:ext>
+                  </a:extLst>
+                </a:gridCol>
+                <a:gridCol w="7571045">
+                  <a:extLst>
+                    <a:ext uri="{9D8B030D-6E8A-4147-A177-3AD203B41FA5}">
+                      <a16:colId xmlns:a16="http://schemas.microsoft.com/office/drawing/2014/main" val="20001"/>
+                    </a:ext>
+                  </a:extLst>
+                </a:gridCol>
               </a:tblGrid>
               <a:tr h="460287">
                 <a:tc gridSpan="2">
@@ -6323,6 +6354,11 @@
                   </a:txBody>
                   <a:tcPr/>
                 </a:tc>
+                <a:extLst>
+                  <a:ext uri="{0D108BD9-81ED-4DB2-BD59-A6C34878D82A}">
+                    <a16:rowId xmlns:a16="http://schemas.microsoft.com/office/drawing/2014/main" val="10000"/>
+                  </a:ext>
+                </a:extLst>
               </a:tr>
               <a:tr h="370840">
                 <a:tc>
@@ -6353,6 +6389,11 @@
                   </a:txBody>
                   <a:tcPr/>
                 </a:tc>
+                <a:extLst>
+                  <a:ext uri="{0D108BD9-81ED-4DB2-BD59-A6C34878D82A}">
+                    <a16:rowId xmlns:a16="http://schemas.microsoft.com/office/drawing/2014/main" val="10001"/>
+                  </a:ext>
+                </a:extLst>
               </a:tr>
               <a:tr h="370840">
                 <a:tc>
@@ -6379,6 +6420,11 @@
                   </a:txBody>
                   <a:tcPr/>
                 </a:tc>
+                <a:extLst>
+                  <a:ext uri="{0D108BD9-81ED-4DB2-BD59-A6C34878D82A}">
+                    <a16:rowId xmlns:a16="http://schemas.microsoft.com/office/drawing/2014/main" val="10002"/>
+                  </a:ext>
+                </a:extLst>
               </a:tr>
               <a:tr h="370840">
                 <a:tc>
@@ -6405,6 +6451,11 @@
                   </a:txBody>
                   <a:tcPr/>
                 </a:tc>
+                <a:extLst>
+                  <a:ext uri="{0D108BD9-81ED-4DB2-BD59-A6C34878D82A}">
+                    <a16:rowId xmlns:a16="http://schemas.microsoft.com/office/drawing/2014/main" val="10003"/>
+                  </a:ext>
+                </a:extLst>
               </a:tr>
               <a:tr h="370840">
                 <a:tc>
@@ -6412,10 +6463,6 @@
                     <a:bodyPr/>
                     <a:lstStyle/>
                     <a:p>
-                      <a:r>
-                        <a:rPr lang="de-DE" dirty="0" smtClean="0"/>
-                        <a:t>Tag 2</a:t>
-                      </a:r>
                       <a:endParaRPr lang="de-DE" dirty="0"/>
                     </a:p>
                   </a:txBody>
@@ -6435,6 +6482,11 @@
                   </a:txBody>
                   <a:tcPr/>
                 </a:tc>
+                <a:extLst>
+                  <a:ext uri="{0D108BD9-81ED-4DB2-BD59-A6C34878D82A}">
+                    <a16:rowId xmlns:a16="http://schemas.microsoft.com/office/drawing/2014/main" val="10004"/>
+                  </a:ext>
+                </a:extLst>
               </a:tr>
               <a:tr h="370840">
                 <a:tc>
@@ -6442,7 +6494,27 @@
                     <a:bodyPr/>
                     <a:lstStyle/>
                     <a:p>
-                      <a:endParaRPr lang="de-DE" dirty="0"/>
+                      <a:pPr marL="0" marR="0" lvl="0" indent="0" algn="l" defTabSz="914332" rtl="0" eaLnBrk="1" fontAlgn="auto" latinLnBrk="0" hangingPunct="1">
+                        <a:lnSpc>
+                          <a:spcPct val="100000"/>
+                        </a:lnSpc>
+                        <a:spcBef>
+                          <a:spcPts val="0"/>
+                        </a:spcBef>
+                        <a:spcAft>
+                          <a:spcPts val="0"/>
+                        </a:spcAft>
+                        <a:buClrTx/>
+                        <a:buSzTx/>
+                        <a:buFontTx/>
+                        <a:buNone/>
+                        <a:tabLst/>
+                        <a:defRPr/>
+                      </a:pPr>
+                      <a:r>
+                        <a:rPr lang="de-DE" dirty="0" smtClean="0"/>
+                        <a:t>Tag 2</a:t>
+                      </a:r>
                     </a:p>
                   </a:txBody>
                   <a:tcPr/>
@@ -6465,6 +6537,11 @@
                   </a:txBody>
                   <a:tcPr/>
                 </a:tc>
+                <a:extLst>
+                  <a:ext uri="{0D108BD9-81ED-4DB2-BD59-A6C34878D82A}">
+                    <a16:rowId xmlns:a16="http://schemas.microsoft.com/office/drawing/2014/main" val="10005"/>
+                  </a:ext>
+                </a:extLst>
               </a:tr>
               <a:tr h="370840">
                 <a:tc>
@@ -6472,10 +6549,6 @@
                     <a:bodyPr/>
                     <a:lstStyle/>
                     <a:p>
-                      <a:r>
-                        <a:rPr lang="de-DE" dirty="0" smtClean="0"/>
-                        <a:t>Tag 3</a:t>
-                      </a:r>
                       <a:endParaRPr lang="de-DE" dirty="0"/>
                     </a:p>
                   </a:txBody>
@@ -6492,13 +6565,18 @@
                       </a:r>
                       <a:r>
                         <a:rPr lang="de-DE" b="0" baseline="0" dirty="0" smtClean="0"/>
-                        <a:t> | Entwicklung einer App für Windows Phone</a:t>
+                        <a:t> | Entwicklung einer App für die universelle Windows-Plattform</a:t>
                       </a:r>
                       <a:endParaRPr lang="de-DE" b="0" dirty="0"/>
                     </a:p>
                   </a:txBody>
                   <a:tcPr/>
                 </a:tc>
+                <a:extLst>
+                  <a:ext uri="{0D108BD9-81ED-4DB2-BD59-A6C34878D82A}">
+                    <a16:rowId xmlns:a16="http://schemas.microsoft.com/office/drawing/2014/main" val="10006"/>
+                  </a:ext>
+                </a:extLst>
               </a:tr>
             </a:tbl>
           </a:graphicData>
@@ -6731,11 +6809,11 @@
   <p:clrMapOvr>
     <a:masterClrMapping/>
   </p:clrMapOvr>
-  <mc:AlternateContent xmlns:mc="http://schemas.openxmlformats.org/markup-compatibility/2006">
-    <mc:Choice xmlns:p14="http://schemas.microsoft.com/office/powerpoint/2010/main" Requires="p14">
+  <mc:AlternateContent xmlns:mc="http://schemas.openxmlformats.org/markup-compatibility/2006" xmlns:p14="http://schemas.microsoft.com/office/powerpoint/2010/main">
+    <mc:Choice Requires="p14">
       <p:transition spd="slow" p14:dur="2000"/>
     </mc:Choice>
-    <mc:Fallback>
+    <mc:Fallback xmlns="">
       <p:transition spd="slow"/>
     </mc:Fallback>
   </mc:AlternateContent>
@@ -6799,21 +6877,13 @@
           <a:p>
             <a:r>
               <a:rPr lang="de-DE" dirty="0" smtClean="0"/>
-              <a:t>Migrationen im </a:t>
-            </a:r>
-            <a:r>
-              <a:rPr lang="de-DE" dirty="0" smtClean="0"/>
-              <a:t>Code-First-Approach</a:t>
-            </a:r>
-          </a:p>
-          <a:p>
-            <a:r>
-              <a:rPr lang="de-DE" dirty="0" smtClean="0"/>
-              <a:t>Data </a:t>
-            </a:r>
-            <a:r>
-              <a:rPr lang="de-DE" dirty="0" smtClean="0"/>
-              <a:t>Annotations im Code-First-Approach</a:t>
+              <a:t>Migrationen im Code-First-Approach</a:t>
+            </a:r>
+          </a:p>
+          <a:p>
+            <a:r>
+              <a:rPr lang="de-DE" dirty="0" smtClean="0"/>
+              <a:t>Data Annotations im Code-First-Approach</a:t>
             </a:r>
             <a:endParaRPr lang="de-DE" dirty="0"/>
           </a:p>
@@ -7376,11 +7446,11 @@
   <p:clrMapOvr>
     <a:masterClrMapping/>
   </p:clrMapOvr>
-  <mc:AlternateContent xmlns:mc="http://schemas.openxmlformats.org/markup-compatibility/2006">
-    <mc:Choice xmlns:p14="http://schemas.microsoft.com/office/powerpoint/2010/main" Requires="p14">
+  <mc:AlternateContent xmlns:mc="http://schemas.openxmlformats.org/markup-compatibility/2006" xmlns:p14="http://schemas.microsoft.com/office/powerpoint/2010/main">
+    <mc:Choice Requires="p14">
       <p:transition spd="slow" p14:dur="2000"/>
     </mc:Choice>
-    <mc:Fallback>
+    <mc:Fallback xmlns="">
       <p:transition spd="slow"/>
     </mc:Fallback>
   </mc:AlternateContent>
@@ -7547,11 +7617,11 @@
   <p:clrMapOvr>
     <a:masterClrMapping/>
   </p:clrMapOvr>
-  <mc:AlternateContent xmlns:mc="http://schemas.openxmlformats.org/markup-compatibility/2006">
-    <mc:Choice xmlns:p14="http://schemas.microsoft.com/office/powerpoint/2010/main" Requires="p14">
+  <mc:AlternateContent xmlns:mc="http://schemas.openxmlformats.org/markup-compatibility/2006" xmlns:p14="http://schemas.microsoft.com/office/powerpoint/2010/main">
+    <mc:Choice Requires="p14">
       <p:transition spd="slow" p14:dur="2000"/>
     </mc:Choice>
-    <mc:Fallback>
+    <mc:Fallback xmlns="">
       <p:transition spd="slow"/>
     </mc:Fallback>
   </mc:AlternateContent>
@@ -7655,11 +7725,11 @@
   <p:clrMapOvr>
     <a:masterClrMapping/>
   </p:clrMapOvr>
-  <mc:AlternateContent xmlns:mc="http://schemas.openxmlformats.org/markup-compatibility/2006">
-    <mc:Choice xmlns:p14="http://schemas.microsoft.com/office/powerpoint/2010/main" Requires="p14">
+  <mc:AlternateContent xmlns:mc="http://schemas.openxmlformats.org/markup-compatibility/2006" xmlns:p14="http://schemas.microsoft.com/office/powerpoint/2010/main">
+    <mc:Choice Requires="p14">
       <p:transition spd="slow" p14:dur="2000"/>
     </mc:Choice>
-    <mc:Fallback>
+    <mc:Fallback xmlns="">
       <p:transition spd="slow"/>
     </mc:Fallback>
   </mc:AlternateContent>
@@ -7841,11 +7911,11 @@
   <p:clrMapOvr>
     <a:masterClrMapping/>
   </p:clrMapOvr>
-  <mc:AlternateContent xmlns:mc="http://schemas.openxmlformats.org/markup-compatibility/2006">
-    <mc:Choice xmlns:p14="http://schemas.microsoft.com/office/powerpoint/2010/main" Requires="p14">
+  <mc:AlternateContent xmlns:mc="http://schemas.openxmlformats.org/markup-compatibility/2006" xmlns:p14="http://schemas.microsoft.com/office/powerpoint/2010/main">
+    <mc:Choice Requires="p14">
       <p:transition spd="slow" p14:dur="2000"/>
     </mc:Choice>
-    <mc:Fallback>
+    <mc:Fallback xmlns="">
       <p:transition spd="slow"/>
     </mc:Fallback>
   </mc:AlternateContent>
@@ -8019,22 +8089,14 @@
           <a:p>
             <a:r>
               <a:rPr lang="de-DE" dirty="0" smtClean="0"/>
-              <a:t>Mapping auf eigene Bedürfnisse </a:t>
-            </a:r>
-            <a:r>
-              <a:rPr lang="de-DE" dirty="0" smtClean="0"/>
-              <a:t>anpassen</a:t>
+              <a:t>Mapping auf eigene Bedürfnisse anpassen</a:t>
             </a:r>
           </a:p>
           <a:p>
             <a:pPr lvl="1"/>
             <a:r>
               <a:rPr lang="de-DE" dirty="0" smtClean="0"/>
-              <a:t>Einschränkungen </a:t>
-            </a:r>
-            <a:r>
-              <a:rPr lang="de-DE" dirty="0" smtClean="0"/>
-              <a:t>werden nicht an zentrale Stelle gesammelt</a:t>
+              <a:t>Einschränkungen werden nicht an zentrale Stelle gesammelt</a:t>
             </a:r>
           </a:p>
           <a:p>
@@ -9016,11 +9078,11 @@
   <p:clrMapOvr>
     <a:masterClrMapping/>
   </p:clrMapOvr>
-  <mc:AlternateContent xmlns:mc="http://schemas.openxmlformats.org/markup-compatibility/2006">
-    <mc:Choice xmlns:p14="http://schemas.microsoft.com/office/powerpoint/2010/main" Requires="p14">
+  <mc:AlternateContent xmlns:mc="http://schemas.openxmlformats.org/markup-compatibility/2006" xmlns:p14="http://schemas.microsoft.com/office/powerpoint/2010/main">
+    <mc:Choice Requires="p14">
       <p:transition spd="slow" p14:dur="2000"/>
     </mc:Choice>
-    <mc:Fallback>
+    <mc:Fallback xmlns="">
       <p:transition spd="slow"/>
     </mc:Fallback>
   </mc:AlternateContent>
@@ -9269,13 +9331,8 @@
             </a:pPr>
             <a:r>
               <a:rPr lang="de-DE" dirty="0" smtClean="0"/>
-              <a:t>Übersicht </a:t>
-            </a:r>
-            <a:r>
-              <a:rPr lang="de-DE" dirty="0" smtClean="0"/>
-              <a:t>über die verschiedenen Ansätze</a:t>
-            </a:r>
-            <a:endParaRPr lang="de-DE" dirty="0" smtClean="0"/>
+              <a:t>Übersicht über die verschiedenen Ansätze</a:t>
+            </a:r>
           </a:p>
           <a:p>
             <a:pPr marL="342900" indent="-342900">
@@ -9302,7 +9359,6 @@
               <a:rPr lang="de-DE" dirty="0" smtClean="0"/>
               <a:t>Ansätze</a:t>
             </a:r>
-            <a:endParaRPr lang="de-DE" dirty="0" smtClean="0"/>
           </a:p>
           <a:p>
             <a:pPr marL="855624" lvl="1" indent="-342900">
@@ -9372,11 +9428,7 @@
             </a:pPr>
             <a:r>
               <a:rPr lang="de-DE" dirty="0" smtClean="0"/>
-              <a:t>Data </a:t>
-            </a:r>
-            <a:r>
-              <a:rPr lang="de-DE" dirty="0" smtClean="0"/>
-              <a:t>Annotations</a:t>
+              <a:t>Data Annotations</a:t>
             </a:r>
           </a:p>
           <a:p>
@@ -9809,15 +9861,7 @@
           <a:p>
             <a:r>
               <a:rPr lang="de-DE" dirty="0" smtClean="0"/>
-              <a:t>Beispiel: Datensatz in Tabelle einfügen (</a:t>
-            </a:r>
-            <a:r>
-              <a:rPr lang="de-DE" dirty="0" smtClean="0"/>
-              <a:t>MySQL</a:t>
-            </a:r>
-            <a:r>
-              <a:rPr lang="de-DE" dirty="0" smtClean="0"/>
-              <a:t>)</a:t>
+              <a:t>Beispiel: Datensatz in Tabelle einfügen (MySQL)</a:t>
             </a:r>
           </a:p>
           <a:p>

--- a/03. Entity Framework/Entity Framework.pptx
+++ b/03. Entity Framework/Entity Framework.pptx
@@ -332,7 +332,7 @@
               <a:pPr>
                 <a:defRPr/>
               </a:pPr>
-              <a:t>24.02.2017</a:t>
+              <a:t>03.03.2017</a:t>
             </a:fld>
             <a:endParaRPr lang="de-DE" dirty="0"/>
           </a:p>
@@ -531,7 +531,7 @@
               <a:pPr>
                 <a:defRPr/>
               </a:pPr>
-              <a:t>2017-02-24</a:t>
+              <a:t>2017-03-03</a:t>
             </a:fld>
             <a:endParaRPr lang="sv-SE"/>
           </a:p>
@@ -6598,7 +6598,7 @@
 </file>
 
 <file path=ppt/slides/slide20.xml><?xml version="1.0" encoding="utf-8"?>
-<p:sld xmlns:a="http://schemas.openxmlformats.org/drawingml/2006/main" xmlns:r="http://schemas.openxmlformats.org/officeDocument/2006/relationships" xmlns:p="http://schemas.openxmlformats.org/presentationml/2006/main">
+<p:sld xmlns:a="http://schemas.openxmlformats.org/drawingml/2006/main" xmlns:r="http://schemas.openxmlformats.org/officeDocument/2006/relationships" xmlns:p="http://schemas.openxmlformats.org/presentationml/2006/main" show="0">
   <p:cSld>
     <p:spTree>
       <p:nvGrpSpPr>
@@ -6690,6 +6690,14 @@
   <p:clrMapOvr>
     <a:masterClrMapping/>
   </p:clrMapOvr>
+  <mc:AlternateContent xmlns:mc="http://schemas.openxmlformats.org/markup-compatibility/2006">
+    <mc:Choice xmlns:p14="http://schemas.microsoft.com/office/powerpoint/2010/main" Requires="p14">
+      <p:transition spd="slow" p14:dur="2000"/>
+    </mc:Choice>
+    <mc:Fallback>
+      <p:transition spd="slow"/>
+    </mc:Fallback>
+  </mc:AlternateContent>
   <p:timing>
     <p:tnLst>
       <p:par>

--- a/03. Entity Framework/Entity Framework.pptx
+++ b/03. Entity Framework/Entity Framework.pptx
@@ -332,7 +332,7 @@
               <a:pPr>
                 <a:defRPr/>
               </a:pPr>
-              <a:t>03.03.2017</a:t>
+              <a:t>07.09.2017</a:t>
             </a:fld>
             <a:endParaRPr lang="de-DE" dirty="0"/>
           </a:p>
@@ -531,7 +531,7 @@
               <a:pPr>
                 <a:defRPr/>
               </a:pPr>
-              <a:t>2017-03-03</a:t>
+              <a:t>2017-09-07</a:t>
             </a:fld>
             <a:endParaRPr lang="sv-SE"/>
           </a:p>
@@ -6690,11 +6690,11 @@
   <p:clrMapOvr>
     <a:masterClrMapping/>
   </p:clrMapOvr>
-  <mc:AlternateContent xmlns:mc="http://schemas.openxmlformats.org/markup-compatibility/2006">
-    <mc:Choice xmlns:p14="http://schemas.microsoft.com/office/powerpoint/2010/main" Requires="p14">
+  <mc:AlternateContent xmlns:mc="http://schemas.openxmlformats.org/markup-compatibility/2006" xmlns:p14="http://schemas.microsoft.com/office/powerpoint/2010/main">
+    <mc:Choice Requires="p14">
       <p:transition spd="slow" p14:dur="2000"/>
     </mc:Choice>
-    <mc:Fallback>
+    <mc:Fallback xmlns="">
       <p:transition spd="slow"/>
     </mc:Fallback>
   </mc:AlternateContent>
@@ -7989,8 +7989,8 @@
           <a:lstStyle/>
           <a:p>
             <a:r>
-              <a:rPr lang="de-DE" dirty="0" smtClean="0"/>
-              <a:t>Benedikt Bergmann</a:t>
+              <a:rPr lang="de-DE" dirty="0"/>
+              <a:t>Sadeq Abu Hantash</a:t>
             </a:r>
             <a:endParaRPr lang="de-DE" dirty="0"/>
           </a:p>

--- a/03. Entity Framework/Entity Framework.pptx
+++ b/03. Entity Framework/Entity Framework.pptx
@@ -5,10 +5,10 @@
     <p:sldMasterId id="2147484690" r:id="rId1"/>
   </p:sldMasterIdLst>
   <p:notesMasterIdLst>
-    <p:notesMasterId r:id="rId39"/>
+    <p:notesMasterId r:id="rId23"/>
   </p:notesMasterIdLst>
   <p:handoutMasterIdLst>
-    <p:handoutMasterId r:id="rId40"/>
+    <p:handoutMasterId r:id="rId24"/>
   </p:handoutMasterIdLst>
   <p:sldIdLst>
     <p:sldId id="332" r:id="rId2"/>
@@ -23,31 +23,15 @@
     <p:sldId id="370" r:id="rId11"/>
     <p:sldId id="368" r:id="rId12"/>
     <p:sldId id="369" r:id="rId13"/>
-    <p:sldId id="371" r:id="rId14"/>
-    <p:sldId id="376" r:id="rId15"/>
-    <p:sldId id="377" r:id="rId16"/>
-    <p:sldId id="372" r:id="rId17"/>
-    <p:sldId id="373" r:id="rId18"/>
-    <p:sldId id="374" r:id="rId19"/>
-    <p:sldId id="375" r:id="rId20"/>
-    <p:sldId id="378" r:id="rId21"/>
-    <p:sldId id="379" r:id="rId22"/>
-    <p:sldId id="394" r:id="rId23"/>
-    <p:sldId id="380" r:id="rId24"/>
-    <p:sldId id="381" r:id="rId25"/>
-    <p:sldId id="382" r:id="rId26"/>
-    <p:sldId id="383" r:id="rId27"/>
-    <p:sldId id="384" r:id="rId28"/>
-    <p:sldId id="385" r:id="rId29"/>
-    <p:sldId id="386" r:id="rId30"/>
-    <p:sldId id="387" r:id="rId31"/>
-    <p:sldId id="388" r:id="rId32"/>
-    <p:sldId id="389" r:id="rId33"/>
-    <p:sldId id="390" r:id="rId34"/>
-    <p:sldId id="391" r:id="rId35"/>
-    <p:sldId id="392" r:id="rId36"/>
-    <p:sldId id="393" r:id="rId37"/>
-    <p:sldId id="290" r:id="rId38"/>
+    <p:sldId id="373" r:id="rId14"/>
+    <p:sldId id="375" r:id="rId15"/>
+    <p:sldId id="387" r:id="rId16"/>
+    <p:sldId id="388" r:id="rId17"/>
+    <p:sldId id="389" r:id="rId18"/>
+    <p:sldId id="390" r:id="rId19"/>
+    <p:sldId id="391" r:id="rId20"/>
+    <p:sldId id="393" r:id="rId21"/>
+    <p:sldId id="290" r:id="rId22"/>
   </p:sldIdLst>
   <p:sldSz cx="12190413" cy="6859588"/>
   <p:notesSz cx="7099300" cy="10234613"/>
@@ -332,7 +316,7 @@
               <a:pPr>
                 <a:defRPr/>
               </a:pPr>
-              <a:t>07.09.2017</a:t>
+              <a:t>27.09.2017</a:t>
             </a:fld>
             <a:endParaRPr lang="de-DE" dirty="0"/>
           </a:p>
@@ -531,7 +515,7 @@
               <a:pPr>
                 <a:defRPr/>
               </a:pPr>
-              <a:t>2017-09-07</a:t>
+              <a:t>2017-09-27</a:t>
             </a:fld>
             <a:endParaRPr lang="sv-SE"/>
           </a:p>
@@ -1058,7 +1042,7 @@
               <a:pPr>
                 <a:defRPr/>
               </a:pPr>
-              <a:t>37</a:t>
+              <a:t>21</a:t>
             </a:fld>
             <a:endParaRPr lang="sv-SE"/>
           </a:p>
@@ -5218,8 +5202,12 @@
           <a:lstStyle/>
           <a:p>
             <a:r>
-              <a:rPr lang="de-DE" dirty="0" smtClean="0"/>
-              <a:t>NuGet-Paket-Manager</a:t>
+              <a:rPr lang="de-DE" dirty="0" err="1" smtClean="0"/>
+              <a:t>NuGet</a:t>
+            </a:r>
+            <a:r>
+              <a:rPr lang="de-DE" dirty="0" smtClean="0"/>
+              <a:t>-Paket-Manager</a:t>
             </a:r>
           </a:p>
           <a:p>
@@ -5232,7 +5220,26 @@
           <a:p>
             <a:r>
               <a:rPr lang="de-DE" dirty="0" smtClean="0"/>
-              <a:t>Entity Framework als NuGet-Paket verfügbar</a:t>
+              <a:t>Entity Framework als </a:t>
+            </a:r>
+            <a:r>
+              <a:rPr lang="de-DE" dirty="0" err="1" smtClean="0"/>
+              <a:t>NuGet</a:t>
+            </a:r>
+            <a:r>
+              <a:rPr lang="de-DE" dirty="0" smtClean="0"/>
+              <a:t>-Paket verfügbar</a:t>
+            </a:r>
+          </a:p>
+          <a:p>
+            <a:pPr lvl="1"/>
+            <a:r>
+              <a:rPr lang="de-DE" dirty="0"/>
+              <a:t>Wie bei der Vorbereitung </a:t>
+            </a:r>
+            <a:r>
+              <a:rPr lang="de-DE" dirty="0" smtClean="0"/>
+              <a:t>beschrieben</a:t>
             </a:r>
           </a:p>
           <a:p>
@@ -5295,7 +5302,7 @@
         </p:blipFill>
         <p:spPr>
           <a:xfrm>
-            <a:off x="2099468" y="2991644"/>
+            <a:off x="2075617" y="3977164"/>
             <a:ext cx="7991475" cy="876300"/>
           </a:xfrm>
           <a:prstGeom prst="rect">
@@ -5357,7 +5364,7 @@
           <a:p>
             <a:r>
               <a:rPr lang="de-DE" dirty="0" smtClean="0"/>
-              <a:t>Demo</a:t>
+              <a:t>Database First</a:t>
             </a:r>
             <a:endParaRPr lang="de-DE" dirty="0"/>
           </a:p>
@@ -5380,34 +5387,31 @@
           <a:p>
             <a:r>
               <a:rPr lang="de-DE" dirty="0" smtClean="0"/>
-              <a:t>Installation des Entity Frameworks</a:t>
-            </a:r>
-          </a:p>
-          <a:p>
-            <a:r>
-              <a:rPr lang="de-DE" dirty="0" smtClean="0"/>
-              <a:t>Kurze Einführungsdemos in folgende Ansätze</a:t>
-            </a:r>
-          </a:p>
-          <a:p>
-            <a:pPr lvl="1"/>
-            <a:r>
-              <a:rPr lang="de-DE" dirty="0" smtClean="0"/>
-              <a:t>Code First</a:t>
-            </a:r>
-          </a:p>
-          <a:p>
-            <a:pPr lvl="1"/>
-            <a:r>
-              <a:rPr lang="de-DE" dirty="0" smtClean="0"/>
-              <a:t>Database First</a:t>
-            </a:r>
-          </a:p>
-          <a:p>
-            <a:pPr lvl="1"/>
-            <a:r>
-              <a:rPr lang="de-DE" dirty="0" smtClean="0"/>
-              <a:t>Model First</a:t>
+              <a:t>Entity Framework mit NuGet-Paket-Manager installieren</a:t>
+            </a:r>
+          </a:p>
+          <a:p>
+            <a:r>
+              <a:rPr lang="de-DE" dirty="0" smtClean="0"/>
+              <a:t>Model hinzufügen</a:t>
+            </a:r>
+          </a:p>
+          <a:p>
+            <a:r>
+              <a:rPr lang="de-DE" dirty="0" smtClean="0"/>
+              <a:t>Datenbank und Tabellen wählen</a:t>
+            </a:r>
+          </a:p>
+          <a:p>
+            <a:r>
+              <a:rPr lang="de-DE" dirty="0" smtClean="0"/>
+              <a:t>Bei Änderungen an der Datenbank Model aktualisieren</a:t>
+            </a:r>
+          </a:p>
+          <a:p>
+            <a:r>
+              <a:rPr lang="de-DE" dirty="0" smtClean="0"/>
+              <a:t>Verwendung des Kontext ist identisch mit Code First</a:t>
             </a:r>
             <a:endParaRPr lang="de-DE" dirty="0"/>
           </a:p>
@@ -5437,10 +5441,40 @@
           </a:p>
         </p:txBody>
       </p:sp>
+      <p:pic>
+        <p:nvPicPr>
+          <p:cNvPr id="7" name="Grafik 6"/>
+          <p:cNvPicPr>
+            <a:picLocks noChangeAspect="1"/>
+          </p:cNvPicPr>
+          <p:nvPr/>
+        </p:nvPicPr>
+        <p:blipFill>
+          <a:blip r:embed="rId2">
+            <a:extLst>
+              <a:ext uri="{28A0092B-C50C-407E-A947-70E740481C1C}">
+                <a14:useLocalDpi xmlns:a14="http://schemas.microsoft.com/office/drawing/2010/main" val="0"/>
+              </a:ext>
+            </a:extLst>
+          </a:blip>
+          <a:stretch>
+            <a:fillRect/>
+          </a:stretch>
+        </p:blipFill>
+        <p:spPr>
+          <a:xfrm>
+            <a:off x="6562644" y="1955006"/>
+            <a:ext cx="4203174" cy="4203174"/>
+          </a:xfrm>
+          <a:prstGeom prst="rect">
+            <a:avLst/>
+          </a:prstGeom>
+        </p:spPr>
+      </p:pic>
     </p:spTree>
     <p:extLst>
       <p:ext uri="{BB962C8B-B14F-4D97-AF65-F5344CB8AC3E}">
-        <p14:creationId xmlns:p14="http://schemas.microsoft.com/office/powerpoint/2010/main" val="136536688"/>
+        <p14:creationId xmlns:p14="http://schemas.microsoft.com/office/powerpoint/2010/main" val="4088105143"/>
       </p:ext>
     </p:extLst>
   </p:cSld>
@@ -5476,7 +5510,7 @@
       </p:grpSpPr>
       <p:sp>
         <p:nvSpPr>
-          <p:cNvPr id="5" name="Titel 4"/>
+          <p:cNvPr id="2" name="Titel 1"/>
           <p:cNvSpPr>
             <a:spLocks noGrp="1"/>
           </p:cNvSpPr>
@@ -5491,7 +5525,7 @@
           <a:p>
             <a:r>
               <a:rPr lang="de-DE" dirty="0" smtClean="0"/>
-              <a:t>Demo</a:t>
+              <a:t>Model First</a:t>
             </a:r>
             <a:endParaRPr lang="de-DE" dirty="0"/>
           </a:p>
@@ -5499,12 +5533,12 @@
       </p:sp>
       <p:sp>
         <p:nvSpPr>
-          <p:cNvPr id="6" name="Untertitel 5"/>
-          <p:cNvSpPr>
-            <a:spLocks noGrp="1"/>
-          </p:cNvSpPr>
-          <p:nvPr>
-            <p:ph type="subTitle" idx="1"/>
+          <p:cNvPr id="3" name="Inhaltsplatzhalter 2"/>
+          <p:cNvSpPr>
+            <a:spLocks noGrp="1"/>
+          </p:cNvSpPr>
+          <p:nvPr>
+            <p:ph idx="1"/>
           </p:nvPr>
         </p:nvSpPr>
         <p:spPr/>
@@ -5514,7 +5548,38 @@
           <a:p>
             <a:r>
               <a:rPr lang="de-DE" dirty="0" smtClean="0"/>
-              <a:t>Code First</a:t>
+              <a:t>Entity Framework mit NuGet-Paket-Manager installieren</a:t>
+            </a:r>
+          </a:p>
+          <a:p>
+            <a:r>
+              <a:rPr lang="de-DE" dirty="0" smtClean="0"/>
+              <a:t>Model hinzufügen („Leeres Model“ wählen)</a:t>
+            </a:r>
+          </a:p>
+          <a:p>
+            <a:r>
+              <a:rPr lang="de-DE" dirty="0" smtClean="0"/>
+              <a:t>Entities mit Eigenschaften im Designer erstellen</a:t>
+            </a:r>
+          </a:p>
+          <a:p>
+            <a:r>
+              <a:rPr lang="de-DE" dirty="0" smtClean="0"/>
+              <a:t>Zuordnungen modellieren Fremdschlüsselbeziehungen</a:t>
+            </a:r>
+          </a:p>
+          <a:p>
+            <a:pPr lvl="1"/>
+            <a:r>
+              <a:rPr lang="de-DE" dirty="0" smtClean="0"/>
+              <a:t>Multiplizitäten beachten</a:t>
+            </a:r>
+          </a:p>
+          <a:p>
+            <a:r>
+              <a:rPr lang="de-DE" dirty="0" smtClean="0"/>
+              <a:t>Verwendung des Kontext identisch mit den anderen Approaches</a:t>
             </a:r>
             <a:endParaRPr lang="de-DE" dirty="0"/>
           </a:p>
@@ -5527,7 +5592,7 @@
             <a:spLocks noGrp="1"/>
           </p:cNvSpPr>
           <p:nvPr>
-            <p:ph type="sldNum" sz="quarter" idx="10"/>
+            <p:ph type="sldNum" sz="quarter" idx="12"/>
           </p:nvPr>
         </p:nvSpPr>
         <p:spPr/>
@@ -5544,10 +5609,34 @@
           </a:p>
         </p:txBody>
       </p:sp>
+      <p:pic>
+        <p:nvPicPr>
+          <p:cNvPr id="5" name="Grafik 4"/>
+          <p:cNvPicPr>
+            <a:picLocks noChangeAspect="1"/>
+          </p:cNvPicPr>
+          <p:nvPr/>
+        </p:nvPicPr>
+        <p:blipFill>
+          <a:blip r:embed="rId2"/>
+          <a:stretch>
+            <a:fillRect/>
+          </a:stretch>
+        </p:blipFill>
+        <p:spPr>
+          <a:xfrm>
+            <a:off x="7054317" y="1341753"/>
+            <a:ext cx="4831556" cy="3836824"/>
+          </a:xfrm>
+          <a:prstGeom prst="rect">
+            <a:avLst/>
+          </a:prstGeom>
+        </p:spPr>
+      </p:pic>
     </p:spTree>
     <p:extLst>
       <p:ext uri="{BB962C8B-B14F-4D97-AF65-F5344CB8AC3E}">
-        <p14:creationId xmlns:p14="http://schemas.microsoft.com/office/powerpoint/2010/main" val="354277497"/>
+        <p14:creationId xmlns:p14="http://schemas.microsoft.com/office/powerpoint/2010/main" val="4198302502"/>
       </p:ext>
     </p:extLst>
   </p:cSld>
@@ -5598,7 +5687,7 @@
           <a:p>
             <a:r>
               <a:rPr lang="de-DE" dirty="0" smtClean="0"/>
-              <a:t>Recap: Code First</a:t>
+              <a:t>Data Annotations im Code-First-Approach</a:t>
             </a:r>
             <a:endParaRPr lang="de-DE" dirty="0"/>
           </a:p>
@@ -5621,55 +5710,36 @@
           <a:p>
             <a:r>
               <a:rPr lang="de-DE" dirty="0" smtClean="0"/>
-              <a:t>Entity Framework mit NuGet-Paket-Manager installieren</a:t>
-            </a:r>
-          </a:p>
-          <a:p>
-            <a:r>
-              <a:rPr lang="de-DE" dirty="0" smtClean="0"/>
-              <a:t>Für jede Entity eine Klasse erstellen</a:t>
+              <a:t>Mapping auf eigene Bedürfnisse anpassen</a:t>
             </a:r>
           </a:p>
           <a:p>
             <a:pPr lvl="1"/>
             <a:r>
               <a:rPr lang="de-DE" dirty="0" smtClean="0"/>
-              <a:t>Eigenschaften der Klassen können verschiedene Datentypen sein</a:t>
-            </a:r>
-          </a:p>
-          <a:p>
-            <a:pPr lvl="2"/>
-            <a:r>
-              <a:rPr lang="de-DE" dirty="0" smtClean="0"/>
-              <a:t>int, string, double, float, DateTime, TimeSpan, byte[]</a:t>
+              <a:t>Einschränkungen werden nicht an zentrale Stelle gesammelt</a:t>
             </a:r>
           </a:p>
           <a:p>
             <a:pPr lvl="1"/>
             <a:r>
               <a:rPr lang="de-DE" dirty="0" smtClean="0"/>
-              <a:t>Fremdschlüsselbeziehungen werden über Namen inferiert</a:t>
-            </a:r>
-          </a:p>
-          <a:p>
-            <a:r>
-              <a:rPr lang="de-DE" dirty="0" smtClean="0"/>
-              <a:t>Eine Klasse, die von DbContext erbt, erstellen</a:t>
+              <a:t>Einschränkungen stehen da, wo Eigenschaften und Typen definiert sind</a:t>
+            </a:r>
+          </a:p>
+          <a:p>
+            <a:r>
+              <a:rPr lang="de-DE" dirty="0" smtClean="0"/>
+              <a:t>Namespace</a:t>
             </a:r>
           </a:p>
           <a:p>
             <a:pPr lvl="1"/>
             <a:r>
               <a:rPr lang="de-DE" dirty="0" smtClean="0"/>
-              <a:t>Für jede Entity T eine Eigenschaft DbSet&lt;T&gt; hinzufügen</a:t>
-            </a:r>
-          </a:p>
-          <a:p>
-            <a:pPr lvl="1"/>
-            <a:r>
-              <a:rPr lang="de-DE" dirty="0" smtClean="0"/>
-              <a:t>Nach Datenbankoperationen SaveChanges() aufrufen</a:t>
-            </a:r>
+              <a:t>System.ComponentModel.DataAnnotations</a:t>
+            </a:r>
+            <a:endParaRPr lang="de-DE" dirty="0"/>
           </a:p>
         </p:txBody>
       </p:sp>
@@ -5700,20 +5770,13 @@
     </p:spTree>
     <p:extLst>
       <p:ext uri="{BB962C8B-B14F-4D97-AF65-F5344CB8AC3E}">
-        <p14:creationId xmlns:p14="http://schemas.microsoft.com/office/powerpoint/2010/main" val="2153270729"/>
+        <p14:creationId xmlns:p14="http://schemas.microsoft.com/office/powerpoint/2010/main" val="1431147374"/>
       </p:ext>
     </p:extLst>
   </p:cSld>
   <p:clrMapOvr>
     <a:masterClrMapping/>
   </p:clrMapOvr>
-  <p:timing>
-    <p:tnLst>
-      <p:par>
-        <p:cTn id="1" dur="indefinite" restart="never" nodeType="tmRoot"/>
-      </p:par>
-    </p:tnLst>
-  </p:timing>
 </p:sld>
 </file>
 
@@ -5736,7 +5799,7 @@
       </p:grpSpPr>
       <p:sp>
         <p:nvSpPr>
-          <p:cNvPr id="5" name="Titel 4"/>
+          <p:cNvPr id="2" name="Titel 1"/>
           <p:cNvSpPr>
             <a:spLocks noGrp="1"/>
           </p:cNvSpPr>
@@ -5751,7 +5814,7 @@
           <a:p>
             <a:r>
               <a:rPr lang="de-DE" dirty="0" smtClean="0"/>
-              <a:t>Demo</a:t>
+              <a:t>Primärschlüssel angeben</a:t>
             </a:r>
             <a:endParaRPr lang="de-DE" dirty="0"/>
           </a:p>
@@ -5759,12 +5822,12 @@
       </p:sp>
       <p:sp>
         <p:nvSpPr>
-          <p:cNvPr id="6" name="Untertitel 5"/>
-          <p:cNvSpPr>
-            <a:spLocks noGrp="1"/>
-          </p:cNvSpPr>
-          <p:nvPr>
-            <p:ph type="subTitle" idx="1"/>
+          <p:cNvPr id="3" name="Inhaltsplatzhalter 2"/>
+          <p:cNvSpPr>
+            <a:spLocks noGrp="1"/>
+          </p:cNvSpPr>
+          <p:nvPr>
+            <p:ph idx="1"/>
           </p:nvPr>
         </p:nvSpPr>
         <p:spPr/>
@@ -5774,10 +5837,33 @@
           <a:p>
             <a:r>
               <a:rPr lang="de-DE" dirty="0" smtClean="0"/>
-              <a:t>Database First</a:t>
-            </a:r>
+              <a:t>Andere Eigenschaft als Primärschlüssel</a:t>
+            </a:r>
+          </a:p>
+          <a:p>
             <a:endParaRPr lang="de-DE" dirty="0"/>
           </a:p>
+          <a:p>
+            <a:endParaRPr lang="de-DE" dirty="0" smtClean="0"/>
+          </a:p>
+          <a:p>
+            <a:endParaRPr lang="de-DE" dirty="0"/>
+          </a:p>
+          <a:p>
+            <a:endParaRPr lang="de-DE" dirty="0" smtClean="0"/>
+          </a:p>
+          <a:p>
+            <a:endParaRPr lang="de-DE" dirty="0" smtClean="0"/>
+          </a:p>
+          <a:p>
+            <a:r>
+              <a:rPr lang="de-DE" dirty="0" smtClean="0"/>
+              <a:t>Verbundschlüssel (mehrere Spalten definieren Schlüssel)</a:t>
+            </a:r>
+          </a:p>
+          <a:p>
+            <a:endParaRPr lang="de-DE" dirty="0"/>
+          </a:p>
         </p:txBody>
       </p:sp>
       <p:sp>
@@ -5787,7 +5873,7 @@
             <a:spLocks noGrp="1"/>
           </p:cNvSpPr>
           <p:nvPr>
-            <p:ph type="sldNum" sz="quarter" idx="10"/>
+            <p:ph type="sldNum" sz="quarter" idx="12"/>
           </p:nvPr>
         </p:nvSpPr>
         <p:spPr/>
@@ -5804,23 +5890,64 @@
           </a:p>
         </p:txBody>
       </p:sp>
+      <p:pic>
+        <p:nvPicPr>
+          <p:cNvPr id="5" name="Grafik 4"/>
+          <p:cNvPicPr>
+            <a:picLocks noChangeAspect="1"/>
+          </p:cNvPicPr>
+          <p:nvPr/>
+        </p:nvPicPr>
+        <p:blipFill>
+          <a:blip r:embed="rId2"/>
+          <a:stretch>
+            <a:fillRect/>
+          </a:stretch>
+        </p:blipFill>
+        <p:spPr>
+          <a:xfrm>
+            <a:off x="587299" y="1670154"/>
+            <a:ext cx="4461780" cy="1424770"/>
+          </a:xfrm>
+          <a:prstGeom prst="rect">
+            <a:avLst/>
+          </a:prstGeom>
+        </p:spPr>
+      </p:pic>
+      <p:pic>
+        <p:nvPicPr>
+          <p:cNvPr id="6" name="Grafik 5"/>
+          <p:cNvPicPr>
+            <a:picLocks noChangeAspect="1"/>
+          </p:cNvPicPr>
+          <p:nvPr/>
+        </p:nvPicPr>
+        <p:blipFill>
+          <a:blip r:embed="rId3"/>
+          <a:stretch>
+            <a:fillRect/>
+          </a:stretch>
+        </p:blipFill>
+        <p:spPr>
+          <a:xfrm>
+            <a:off x="587298" y="4026124"/>
+            <a:ext cx="4453765" cy="1850356"/>
+          </a:xfrm>
+          <a:prstGeom prst="rect">
+            <a:avLst/>
+          </a:prstGeom>
+        </p:spPr>
+      </p:pic>
     </p:spTree>
     <p:extLst>
       <p:ext uri="{BB962C8B-B14F-4D97-AF65-F5344CB8AC3E}">
-        <p14:creationId xmlns:p14="http://schemas.microsoft.com/office/powerpoint/2010/main" val="1409376539"/>
+        <p14:creationId xmlns:p14="http://schemas.microsoft.com/office/powerpoint/2010/main" val="3817162044"/>
       </p:ext>
     </p:extLst>
   </p:cSld>
   <p:clrMapOvr>
     <a:masterClrMapping/>
   </p:clrMapOvr>
-  <p:timing>
-    <p:tnLst>
-      <p:par>
-        <p:cTn id="1" dur="indefinite" restart="never" nodeType="tmRoot"/>
-      </p:par>
-    </p:tnLst>
-  </p:timing>
 </p:sld>
 </file>
 
@@ -5858,7 +5985,7 @@
           <a:p>
             <a:r>
               <a:rPr lang="de-DE" dirty="0" smtClean="0"/>
-              <a:t>Recap: Database First</a:t>
+              <a:t>Einschränkung für Eigenschaften</a:t>
             </a:r>
             <a:endParaRPr lang="de-DE" dirty="0"/>
           </a:p>
@@ -5881,32 +6008,34 @@
           <a:p>
             <a:r>
               <a:rPr lang="de-DE" dirty="0" smtClean="0"/>
-              <a:t>Entity Framework mit NuGet-Paket-Manager installieren</a:t>
-            </a:r>
-          </a:p>
-          <a:p>
-            <a:r>
-              <a:rPr lang="de-DE" dirty="0" smtClean="0"/>
-              <a:t>Model hinzufügen</a:t>
-            </a:r>
-          </a:p>
-          <a:p>
-            <a:r>
-              <a:rPr lang="de-DE" dirty="0" smtClean="0"/>
-              <a:t>Datenbank und Tabellen wählen</a:t>
-            </a:r>
-          </a:p>
-          <a:p>
-            <a:r>
-              <a:rPr lang="de-DE" dirty="0" smtClean="0"/>
-              <a:t>Bei Änderungen an der Datenbank Model aktualisieren</a:t>
-            </a:r>
-          </a:p>
-          <a:p>
-            <a:r>
-              <a:rPr lang="de-DE" dirty="0" smtClean="0"/>
-              <a:t>Verwendung des Kontext ist identisch mit Code First</a:t>
-            </a:r>
+              <a:t>Erforderliche Eigenschaft</a:t>
+            </a:r>
+          </a:p>
+          <a:p>
+            <a:endParaRPr lang="de-DE" dirty="0"/>
+          </a:p>
+          <a:p>
+            <a:endParaRPr lang="de-DE" dirty="0" smtClean="0"/>
+          </a:p>
+          <a:p>
+            <a:endParaRPr lang="de-DE" dirty="0" smtClean="0"/>
+          </a:p>
+          <a:p>
+            <a:endParaRPr lang="de-DE" dirty="0"/>
+          </a:p>
+          <a:p>
+            <a:r>
+              <a:rPr lang="de-DE" dirty="0" smtClean="0"/>
+              <a:t>Minimale/Maximale Länge</a:t>
+            </a:r>
+          </a:p>
+          <a:p>
+            <a:endParaRPr lang="de-DE" dirty="0"/>
+          </a:p>
+          <a:p>
+            <a:endParaRPr lang="de-DE" dirty="0" smtClean="0"/>
+          </a:p>
+          <a:p>
             <a:endParaRPr lang="de-DE" dirty="0"/>
           </a:p>
         </p:txBody>
@@ -5935,28 +6064,69 @@
           </a:p>
         </p:txBody>
       </p:sp>
+      <p:pic>
+        <p:nvPicPr>
+          <p:cNvPr id="5" name="Grafik 4"/>
+          <p:cNvPicPr>
+            <a:picLocks noChangeAspect="1"/>
+          </p:cNvPicPr>
+          <p:nvPr/>
+        </p:nvPicPr>
+        <p:blipFill>
+          <a:blip r:embed="rId2"/>
+          <a:stretch>
+            <a:fillRect/>
+          </a:stretch>
+        </p:blipFill>
+        <p:spPr>
+          <a:xfrm>
+            <a:off x="587298" y="1949450"/>
+            <a:ext cx="5743575" cy="1000125"/>
+          </a:xfrm>
+          <a:prstGeom prst="rect">
+            <a:avLst/>
+          </a:prstGeom>
+        </p:spPr>
+      </p:pic>
+      <p:pic>
+        <p:nvPicPr>
+          <p:cNvPr id="6" name="Grafik 5"/>
+          <p:cNvPicPr>
+            <a:picLocks noChangeAspect="1"/>
+          </p:cNvPicPr>
+          <p:nvPr/>
+        </p:nvPicPr>
+        <p:blipFill>
+          <a:blip r:embed="rId3"/>
+          <a:stretch>
+            <a:fillRect/>
+          </a:stretch>
+        </p:blipFill>
+        <p:spPr>
+          <a:xfrm>
+            <a:off x="595313" y="3675605"/>
+            <a:ext cx="5191125" cy="895350"/>
+          </a:xfrm>
+          <a:prstGeom prst="rect">
+            <a:avLst/>
+          </a:prstGeom>
+        </p:spPr>
+      </p:pic>
     </p:spTree>
     <p:extLst>
       <p:ext uri="{BB962C8B-B14F-4D97-AF65-F5344CB8AC3E}">
-        <p14:creationId xmlns:p14="http://schemas.microsoft.com/office/powerpoint/2010/main" val="4088105143"/>
+        <p14:creationId xmlns:p14="http://schemas.microsoft.com/office/powerpoint/2010/main" val="1853221495"/>
       </p:ext>
     </p:extLst>
   </p:cSld>
   <p:clrMapOvr>
     <a:masterClrMapping/>
   </p:clrMapOvr>
-  <p:timing>
-    <p:tnLst>
-      <p:par>
-        <p:cTn id="1" dur="indefinite" restart="never" nodeType="tmRoot"/>
-      </p:par>
-    </p:tnLst>
-  </p:timing>
 </p:sld>
 </file>
 
 <file path=ppt/slides/slide18.xml><?xml version="1.0" encoding="utf-8"?>
-<p:sld xmlns:a="http://schemas.openxmlformats.org/drawingml/2006/main" xmlns:r="http://schemas.openxmlformats.org/officeDocument/2006/relationships" xmlns:p="http://schemas.openxmlformats.org/presentationml/2006/main">
+<p:sld xmlns:a="http://schemas.openxmlformats.org/drawingml/2006/main" xmlns:r="http://schemas.openxmlformats.org/officeDocument/2006/relationships" xmlns:p="http://schemas.openxmlformats.org/presentationml/2006/main" show="0">
   <p:cSld>
     <p:spTree>
       <p:nvGrpSpPr>
@@ -5974,7 +6144,7 @@
       </p:grpSpPr>
       <p:sp>
         <p:nvSpPr>
-          <p:cNvPr id="5" name="Titel 4"/>
+          <p:cNvPr id="2" name="Titel 1"/>
           <p:cNvSpPr>
             <a:spLocks noGrp="1"/>
           </p:cNvSpPr>
@@ -5989,7 +6159,7 @@
           <a:p>
             <a:r>
               <a:rPr lang="de-DE" dirty="0" smtClean="0"/>
-              <a:t>Demo</a:t>
+              <a:t>Abbilden auf bestimmte Spalten oder Tabellen</a:t>
             </a:r>
             <a:endParaRPr lang="de-DE" dirty="0"/>
           </a:p>
@@ -5997,12 +6167,12 @@
       </p:sp>
       <p:sp>
         <p:nvSpPr>
-          <p:cNvPr id="6" name="Untertitel 5"/>
-          <p:cNvSpPr>
-            <a:spLocks noGrp="1"/>
-          </p:cNvSpPr>
-          <p:nvPr>
-            <p:ph type="subTitle" idx="1"/>
+          <p:cNvPr id="3" name="Inhaltsplatzhalter 2"/>
+          <p:cNvSpPr>
+            <a:spLocks noGrp="1"/>
+          </p:cNvSpPr>
+          <p:nvPr>
+            <p:ph idx="1"/>
           </p:nvPr>
         </p:nvSpPr>
         <p:spPr/>
@@ -6012,10 +6182,48 @@
           <a:p>
             <a:r>
               <a:rPr lang="de-DE" dirty="0" smtClean="0"/>
-              <a:t>Model First</a:t>
-            </a:r>
+              <a:t>Nicht in der Datenbank speichern</a:t>
+            </a:r>
+          </a:p>
+          <a:p>
+            <a:endParaRPr lang="de-DE" dirty="0" smtClean="0"/>
+          </a:p>
+          <a:p>
             <a:endParaRPr lang="de-DE" dirty="0"/>
           </a:p>
+          <a:p>
+            <a:endParaRPr lang="de-DE" dirty="0" smtClean="0"/>
+          </a:p>
+          <a:p>
+            <a:endParaRPr lang="de-DE" dirty="0"/>
+          </a:p>
+          <a:p>
+            <a:r>
+              <a:rPr lang="de-DE" dirty="0" smtClean="0"/>
+              <a:t>Auf eine bestimmte Spalte abbilden</a:t>
+            </a:r>
+          </a:p>
+          <a:p>
+            <a:endParaRPr lang="de-DE" dirty="0" smtClean="0"/>
+          </a:p>
+          <a:p>
+            <a:endParaRPr lang="de-DE" dirty="0"/>
+          </a:p>
+          <a:p>
+            <a:endParaRPr lang="de-DE" dirty="0"/>
+          </a:p>
+          <a:p>
+            <a:r>
+              <a:rPr lang="de-DE" dirty="0" smtClean="0"/>
+              <a:t>Eine Entity auf eine andere Tabelle abbilden</a:t>
+            </a:r>
+          </a:p>
+          <a:p>
+            <a:endParaRPr lang="de-DE" dirty="0"/>
+          </a:p>
+          <a:p>
+            <a:endParaRPr lang="de-DE" dirty="0"/>
+          </a:p>
         </p:txBody>
       </p:sp>
       <p:sp>
@@ -6025,7 +6233,7 @@
             <a:spLocks noGrp="1"/>
           </p:cNvSpPr>
           <p:nvPr>
-            <p:ph type="sldNum" sz="quarter" idx="10"/>
+            <p:ph type="sldNum" sz="quarter" idx="12"/>
           </p:nvPr>
         </p:nvSpPr>
         <p:spPr/>
@@ -6042,23 +6250,96 @@
           </a:p>
         </p:txBody>
       </p:sp>
+      <p:pic>
+        <p:nvPicPr>
+          <p:cNvPr id="5" name="Grafik 4"/>
+          <p:cNvPicPr>
+            <a:picLocks noChangeAspect="1"/>
+          </p:cNvPicPr>
+          <p:nvPr/>
+        </p:nvPicPr>
+        <p:blipFill>
+          <a:blip r:embed="rId2"/>
+          <a:stretch>
+            <a:fillRect/>
+          </a:stretch>
+        </p:blipFill>
+        <p:spPr>
+          <a:xfrm>
+            <a:off x="595312" y="1763125"/>
+            <a:ext cx="6320155" cy="1072902"/>
+          </a:xfrm>
+          <a:prstGeom prst="rect">
+            <a:avLst/>
+          </a:prstGeom>
+        </p:spPr>
+      </p:pic>
+      <p:pic>
+        <p:nvPicPr>
+          <p:cNvPr id="6" name="Grafik 5"/>
+          <p:cNvPicPr>
+            <a:picLocks noChangeAspect="1"/>
+          </p:cNvPicPr>
+          <p:nvPr/>
+        </p:nvPicPr>
+        <p:blipFill>
+          <a:blip r:embed="rId3"/>
+          <a:stretch>
+            <a:fillRect/>
+          </a:stretch>
+        </p:blipFill>
+        <p:spPr>
+          <a:xfrm>
+            <a:off x="671513" y="3429793"/>
+            <a:ext cx="7429500" cy="819150"/>
+          </a:xfrm>
+          <a:prstGeom prst="rect">
+            <a:avLst/>
+          </a:prstGeom>
+        </p:spPr>
+      </p:pic>
+      <p:pic>
+        <p:nvPicPr>
+          <p:cNvPr id="7" name="Grafik 6"/>
+          <p:cNvPicPr>
+            <a:picLocks noChangeAspect="1"/>
+          </p:cNvPicPr>
+          <p:nvPr/>
+        </p:nvPicPr>
+        <p:blipFill>
+          <a:blip r:embed="rId4"/>
+          <a:stretch>
+            <a:fillRect/>
+          </a:stretch>
+        </p:blipFill>
+        <p:spPr>
+          <a:xfrm>
+            <a:off x="595313" y="5076855"/>
+            <a:ext cx="4095750" cy="723900"/>
+          </a:xfrm>
+          <a:prstGeom prst="rect">
+            <a:avLst/>
+          </a:prstGeom>
+        </p:spPr>
+      </p:pic>
     </p:spTree>
     <p:extLst>
       <p:ext uri="{BB962C8B-B14F-4D97-AF65-F5344CB8AC3E}">
-        <p14:creationId xmlns:p14="http://schemas.microsoft.com/office/powerpoint/2010/main" val="200558654"/>
+        <p14:creationId xmlns:p14="http://schemas.microsoft.com/office/powerpoint/2010/main" val="3624025726"/>
       </p:ext>
     </p:extLst>
   </p:cSld>
   <p:clrMapOvr>
     <a:masterClrMapping/>
   </p:clrMapOvr>
-  <p:timing>
-    <p:tnLst>
-      <p:par>
-        <p:cTn id="1" dur="indefinite" restart="never" nodeType="tmRoot"/>
-      </p:par>
-    </p:tnLst>
-  </p:timing>
+  <mc:AlternateContent xmlns:mc="http://schemas.openxmlformats.org/markup-compatibility/2006">
+    <mc:Choice xmlns:p14="http://schemas.microsoft.com/office/powerpoint/2010/main" Requires="p14">
+      <p:transition spd="slow" p14:dur="2000"/>
+    </mc:Choice>
+    <mc:Fallback>
+      <p:transition spd="slow"/>
+    </mc:Fallback>
+  </mc:AlternateContent>
 </p:sld>
 </file>
 
@@ -6096,7 +6377,7 @@
           <a:p>
             <a:r>
               <a:rPr lang="de-DE" dirty="0" smtClean="0"/>
-              <a:t>Recap: Model First</a:t>
+              <a:t>Fremdschlüsselbeziehungen angeben</a:t>
             </a:r>
             <a:endParaRPr lang="de-DE" dirty="0"/>
           </a:p>
@@ -6112,46 +6393,46 @@
             <p:ph idx="1"/>
           </p:nvPr>
         </p:nvSpPr>
-        <p:spPr/>
+        <p:spPr>
+          <a:xfrm>
+            <a:off x="636515" y="1341438"/>
+            <a:ext cx="10968110" cy="4735197"/>
+          </a:xfrm>
+        </p:spPr>
         <p:txBody>
           <a:bodyPr/>
           <a:lstStyle/>
           <a:p>
             <a:r>
               <a:rPr lang="de-DE" dirty="0" smtClean="0"/>
-              <a:t>Entity Framework mit NuGet-Paket-Manager installieren</a:t>
-            </a:r>
-          </a:p>
-          <a:p>
-            <a:r>
-              <a:rPr lang="de-DE" dirty="0" smtClean="0"/>
-              <a:t>Model hinzufügen („Leeres Model“ wählen)</a:t>
-            </a:r>
-          </a:p>
-          <a:p>
-            <a:r>
-              <a:rPr lang="de-DE" dirty="0" smtClean="0"/>
-              <a:t>Entities mit Eigenschaften im Designer erstellen</a:t>
-            </a:r>
-          </a:p>
-          <a:p>
-            <a:r>
-              <a:rPr lang="de-DE" dirty="0" smtClean="0"/>
-              <a:t>Zuordnungen modellieren Fremdschlüsselbeziehungen</a:t>
-            </a:r>
-          </a:p>
-          <a:p>
-            <a:pPr lvl="1"/>
-            <a:r>
-              <a:rPr lang="de-DE" dirty="0" smtClean="0"/>
-              <a:t>Multiplizitäten beachten</a:t>
-            </a:r>
-          </a:p>
-          <a:p>
-            <a:r>
-              <a:rPr lang="de-DE" dirty="0" smtClean="0"/>
-              <a:t>Verwendung des Kontext identisch mit den anderen Approaches</a:t>
-            </a:r>
+              <a:t>Fremdschlüsselbeziehung für eine Navigationseigenschaft angeben</a:t>
+            </a:r>
+          </a:p>
+          <a:p>
+            <a:endParaRPr lang="de-DE" dirty="0" smtClean="0"/>
+          </a:p>
+          <a:p>
+            <a:endParaRPr lang="de-DE" dirty="0"/>
+          </a:p>
+          <a:p>
+            <a:endParaRPr lang="de-DE" dirty="0"/>
+          </a:p>
+          <a:p>
+            <a:endParaRPr lang="de-DE" dirty="0" smtClean="0"/>
+          </a:p>
+          <a:p>
+            <a:endParaRPr lang="de-DE" dirty="0"/>
+          </a:p>
+          <a:p>
+            <a:endParaRPr lang="de-DE" dirty="0" smtClean="0"/>
+          </a:p>
+          <a:p>
+            <a:r>
+              <a:rPr lang="de-DE" dirty="0" smtClean="0"/>
+              <a:t>Auf der anderen Seite eine InverseProperty</a:t>
+            </a:r>
+          </a:p>
+          <a:p>
             <a:endParaRPr lang="de-DE" dirty="0"/>
           </a:p>
         </p:txBody>
@@ -6180,23 +6461,64 @@
           </a:p>
         </p:txBody>
       </p:sp>
+      <p:pic>
+        <p:nvPicPr>
+          <p:cNvPr id="5" name="Grafik 4"/>
+          <p:cNvPicPr>
+            <a:picLocks noChangeAspect="1"/>
+          </p:cNvPicPr>
+          <p:nvPr/>
+        </p:nvPicPr>
+        <p:blipFill>
+          <a:blip r:embed="rId2"/>
+          <a:stretch>
+            <a:fillRect/>
+          </a:stretch>
+        </p:blipFill>
+        <p:spPr>
+          <a:xfrm>
+            <a:off x="595313" y="1721156"/>
+            <a:ext cx="7286625" cy="1752600"/>
+          </a:xfrm>
+          <a:prstGeom prst="rect">
+            <a:avLst/>
+          </a:prstGeom>
+        </p:spPr>
+      </p:pic>
+      <p:pic>
+        <p:nvPicPr>
+          <p:cNvPr id="6" name="Grafik 5"/>
+          <p:cNvPicPr>
+            <a:picLocks noChangeAspect="1"/>
+          </p:cNvPicPr>
+          <p:nvPr/>
+        </p:nvPicPr>
+        <p:blipFill>
+          <a:blip r:embed="rId3"/>
+          <a:stretch>
+            <a:fillRect/>
+          </a:stretch>
+        </p:blipFill>
+        <p:spPr>
+          <a:xfrm>
+            <a:off x="636515" y="4275678"/>
+            <a:ext cx="7734300" cy="1543050"/>
+          </a:xfrm>
+          <a:prstGeom prst="rect">
+            <a:avLst/>
+          </a:prstGeom>
+        </p:spPr>
+      </p:pic>
     </p:spTree>
     <p:extLst>
       <p:ext uri="{BB962C8B-B14F-4D97-AF65-F5344CB8AC3E}">
-        <p14:creationId xmlns:p14="http://schemas.microsoft.com/office/powerpoint/2010/main" val="4198302502"/>
+        <p14:creationId xmlns:p14="http://schemas.microsoft.com/office/powerpoint/2010/main" val="1602154903"/>
       </p:ext>
     </p:extLst>
   </p:cSld>
   <p:clrMapOvr>
     <a:masterClrMapping/>
   </p:clrMapOvr>
-  <p:timing>
-    <p:tnLst>
-      <p:par>
-        <p:cTn id="1" dur="indefinite" restart="never" nodeType="tmRoot"/>
-      </p:par>
-    </p:tnLst>
-  </p:timing>
 </p:sld>
 </file>
 
@@ -6598,237 +6920,6 @@
 </file>
 
 <file path=ppt/slides/slide20.xml><?xml version="1.0" encoding="utf-8"?>
-<p:sld xmlns:a="http://schemas.openxmlformats.org/drawingml/2006/main" xmlns:r="http://schemas.openxmlformats.org/officeDocument/2006/relationships" xmlns:p="http://schemas.openxmlformats.org/presentationml/2006/main" show="0">
-  <p:cSld>
-    <p:spTree>
-      <p:nvGrpSpPr>
-        <p:cNvPr id="1" name=""/>
-        <p:cNvGrpSpPr/>
-        <p:nvPr/>
-      </p:nvGrpSpPr>
-      <p:grpSpPr>
-        <a:xfrm>
-          <a:off x="0" y="0"/>
-          <a:ext cx="0" cy="0"/>
-          <a:chOff x="0" y="0"/>
-          <a:chExt cx="0" cy="0"/>
-        </a:xfrm>
-      </p:grpSpPr>
-      <p:sp>
-        <p:nvSpPr>
-          <p:cNvPr id="5" name="Titel 4"/>
-          <p:cNvSpPr>
-            <a:spLocks noGrp="1"/>
-          </p:cNvSpPr>
-          <p:nvPr>
-            <p:ph type="title"/>
-          </p:nvPr>
-        </p:nvSpPr>
-        <p:spPr/>
-        <p:txBody>
-          <a:bodyPr/>
-          <a:lstStyle/>
-          <a:p>
-            <a:r>
-              <a:rPr lang="de-DE" dirty="0" smtClean="0"/>
-              <a:t>PAUSE</a:t>
-            </a:r>
-            <a:endParaRPr lang="de-DE" dirty="0"/>
-          </a:p>
-        </p:txBody>
-      </p:sp>
-      <p:sp>
-        <p:nvSpPr>
-          <p:cNvPr id="6" name="Untertitel 5"/>
-          <p:cNvSpPr>
-            <a:spLocks noGrp="1"/>
-          </p:cNvSpPr>
-          <p:nvPr>
-            <p:ph type="subTitle" idx="1"/>
-          </p:nvPr>
-        </p:nvSpPr>
-        <p:spPr/>
-        <p:txBody>
-          <a:bodyPr/>
-          <a:lstStyle/>
-          <a:p>
-            <a:endParaRPr lang="de-DE" dirty="0"/>
-          </a:p>
-        </p:txBody>
-      </p:sp>
-      <p:sp>
-        <p:nvSpPr>
-          <p:cNvPr id="4" name="Foliennummernplatzhalter 3"/>
-          <p:cNvSpPr>
-            <a:spLocks noGrp="1"/>
-          </p:cNvSpPr>
-          <p:nvPr>
-            <p:ph type="sldNum" sz="quarter" idx="10"/>
-          </p:nvPr>
-        </p:nvSpPr>
-        <p:spPr/>
-        <p:txBody>
-          <a:bodyPr/>
-          <a:lstStyle/>
-          <a:p>
-            <a:fld id="{8F35CB8A-22DD-4279-9E9E-A49CDB5FBE56}" type="slidenum">
-              <a:rPr lang="en-US" smtClean="0"/>
-              <a:pPr/>
-              <a:t>20</a:t>
-            </a:fld>
-            <a:endParaRPr lang="en-US" dirty="0"/>
-          </a:p>
-        </p:txBody>
-      </p:sp>
-    </p:spTree>
-    <p:extLst>
-      <p:ext uri="{BB962C8B-B14F-4D97-AF65-F5344CB8AC3E}">
-        <p14:creationId xmlns:p14="http://schemas.microsoft.com/office/powerpoint/2010/main" val="914943711"/>
-      </p:ext>
-    </p:extLst>
-  </p:cSld>
-  <p:clrMapOvr>
-    <a:masterClrMapping/>
-  </p:clrMapOvr>
-  <mc:AlternateContent xmlns:mc="http://schemas.openxmlformats.org/markup-compatibility/2006" xmlns:p14="http://schemas.microsoft.com/office/powerpoint/2010/main">
-    <mc:Choice Requires="p14">
-      <p:transition spd="slow" p14:dur="2000"/>
-    </mc:Choice>
-    <mc:Fallback xmlns="">
-      <p:transition spd="slow"/>
-    </mc:Fallback>
-  </mc:AlternateContent>
-  <p:timing>
-    <p:tnLst>
-      <p:par>
-        <p:cTn id="1" dur="indefinite" restart="never" nodeType="tmRoot"/>
-      </p:par>
-    </p:tnLst>
-  </p:timing>
-</p:sld>
-</file>
-
-<file path=ppt/slides/slide21.xml><?xml version="1.0" encoding="utf-8"?>
-<p:sld xmlns:a="http://schemas.openxmlformats.org/drawingml/2006/main" xmlns:r="http://schemas.openxmlformats.org/officeDocument/2006/relationships" xmlns:p="http://schemas.openxmlformats.org/presentationml/2006/main" show="0">
-  <p:cSld>
-    <p:spTree>
-      <p:nvGrpSpPr>
-        <p:cNvPr id="1" name=""/>
-        <p:cNvGrpSpPr/>
-        <p:nvPr/>
-      </p:nvGrpSpPr>
-      <p:grpSpPr>
-        <a:xfrm>
-          <a:off x="0" y="0"/>
-          <a:ext cx="0" cy="0"/>
-          <a:chOff x="0" y="0"/>
-          <a:chExt cx="0" cy="0"/>
-        </a:xfrm>
-      </p:grpSpPr>
-      <p:sp>
-        <p:nvSpPr>
-          <p:cNvPr id="5" name="Titel 4"/>
-          <p:cNvSpPr>
-            <a:spLocks noGrp="1"/>
-          </p:cNvSpPr>
-          <p:nvPr>
-            <p:ph type="title"/>
-          </p:nvPr>
-        </p:nvSpPr>
-        <p:spPr/>
-        <p:txBody>
-          <a:bodyPr/>
-          <a:lstStyle/>
-          <a:p>
-            <a:r>
-              <a:rPr lang="de-DE" dirty="0" smtClean="0"/>
-              <a:t>Modulübersicht</a:t>
-            </a:r>
-            <a:endParaRPr lang="de-DE" dirty="0"/>
-          </a:p>
-        </p:txBody>
-      </p:sp>
-      <p:sp>
-        <p:nvSpPr>
-          <p:cNvPr id="6" name="Inhaltsplatzhalter 5"/>
-          <p:cNvSpPr>
-            <a:spLocks noGrp="1"/>
-          </p:cNvSpPr>
-          <p:nvPr>
-            <p:ph idx="1"/>
-          </p:nvPr>
-        </p:nvSpPr>
-        <p:spPr/>
-        <p:txBody>
-          <a:bodyPr/>
-          <a:lstStyle/>
-          <a:p>
-            <a:r>
-              <a:rPr lang="de-DE" dirty="0" smtClean="0"/>
-              <a:t>Migrationen im Code-First-Approach</a:t>
-            </a:r>
-          </a:p>
-          <a:p>
-            <a:r>
-              <a:rPr lang="de-DE" dirty="0" smtClean="0"/>
-              <a:t>Konfigurieren von Eigenschaften und Typen mit der Fluent-API</a:t>
-            </a:r>
-          </a:p>
-          <a:p>
-            <a:r>
-              <a:rPr lang="de-DE" dirty="0" smtClean="0"/>
-              <a:t>Data Annotations im Code-First-Approach</a:t>
-            </a:r>
-            <a:endParaRPr lang="de-DE" dirty="0"/>
-          </a:p>
-        </p:txBody>
-      </p:sp>
-      <p:sp>
-        <p:nvSpPr>
-          <p:cNvPr id="4" name="Foliennummernplatzhalter 3"/>
-          <p:cNvSpPr>
-            <a:spLocks noGrp="1"/>
-          </p:cNvSpPr>
-          <p:nvPr>
-            <p:ph type="sldNum" sz="quarter" idx="12"/>
-          </p:nvPr>
-        </p:nvSpPr>
-        <p:spPr/>
-        <p:txBody>
-          <a:bodyPr/>
-          <a:lstStyle/>
-          <a:p>
-            <a:fld id="{8F35CB8A-22DD-4279-9E9E-A49CDB5FBE56}" type="slidenum">
-              <a:rPr lang="en-US" smtClean="0"/>
-              <a:pPr/>
-              <a:t>21</a:t>
-            </a:fld>
-            <a:endParaRPr lang="en-US" dirty="0"/>
-          </a:p>
-        </p:txBody>
-      </p:sp>
-    </p:spTree>
-    <p:extLst>
-      <p:ext uri="{BB962C8B-B14F-4D97-AF65-F5344CB8AC3E}">
-        <p14:creationId xmlns:p14="http://schemas.microsoft.com/office/powerpoint/2010/main" val="302262705"/>
-      </p:ext>
-    </p:extLst>
-  </p:cSld>
-  <p:clrMapOvr>
-    <a:masterClrMapping/>
-  </p:clrMapOvr>
-  <mc:AlternateContent xmlns:mc="http://schemas.openxmlformats.org/markup-compatibility/2006" xmlns:p14="http://schemas.microsoft.com/office/powerpoint/2010/main">
-    <mc:Choice Requires="p14">
-      <p:transition spd="slow" p14:dur="2000"/>
-    </mc:Choice>
-    <mc:Fallback xmlns="">
-      <p:transition spd="slow"/>
-    </mc:Fallback>
-  </mc:AlternateContent>
-</p:sld>
-</file>
-
-<file path=ppt/slides/slide22.xml><?xml version="1.0" encoding="utf-8"?>
 <p:sld xmlns:a="http://schemas.openxmlformats.org/drawingml/2006/main" xmlns:r="http://schemas.openxmlformats.org/officeDocument/2006/relationships" xmlns:p="http://schemas.openxmlformats.org/presentationml/2006/main">
   <p:cSld>
     <p:spTree>
@@ -6847,7 +6938,7 @@
       </p:grpSpPr>
       <p:sp>
         <p:nvSpPr>
-          <p:cNvPr id="5" name="Titel 4"/>
+          <p:cNvPr id="6" name="Titel 5"/>
           <p:cNvSpPr>
             <a:spLocks noGrp="1"/>
           </p:cNvSpPr>
@@ -6862,7 +6953,7 @@
           <a:p>
             <a:r>
               <a:rPr lang="de-DE" dirty="0" smtClean="0"/>
-              <a:t>Modulübersicht</a:t>
+              <a:t>HANDS-ON</a:t>
             </a:r>
             <a:endParaRPr lang="de-DE" dirty="0"/>
           </a:p>
@@ -6870,12 +6961,12 @@
       </p:sp>
       <p:sp>
         <p:nvSpPr>
-          <p:cNvPr id="6" name="Inhaltsplatzhalter 5"/>
-          <p:cNvSpPr>
-            <a:spLocks noGrp="1"/>
-          </p:cNvSpPr>
-          <p:nvPr>
-            <p:ph idx="1"/>
+          <p:cNvPr id="7" name="Untertitel 6"/>
+          <p:cNvSpPr>
+            <a:spLocks noGrp="1"/>
+          </p:cNvSpPr>
+          <p:nvPr>
+            <p:ph type="subTitle" idx="1"/>
           </p:nvPr>
         </p:nvSpPr>
         <p:spPr/>
@@ -6884,16 +6975,9 @@
           <a:lstStyle/>
           <a:p>
             <a:r>
-              <a:rPr lang="de-DE" dirty="0" smtClean="0"/>
-              <a:t>Migrationen im Code-First-Approach</a:t>
-            </a:r>
-          </a:p>
-          <a:p>
-            <a:r>
-              <a:rPr lang="de-DE" dirty="0" smtClean="0"/>
-              <a:t>Data Annotations im Code-First-Approach</a:t>
-            </a:r>
-            <a:endParaRPr lang="de-DE" dirty="0"/>
+              <a:rPr lang="de-DE" dirty="0"/>
+              <a:t>03. Datenmodellierung und -abfrage mit dem Entity Framework</a:t>
+            </a:r>
           </a:p>
         </p:txBody>
       </p:sp>
@@ -6904,7 +6988,7 @@
             <a:spLocks noGrp="1"/>
           </p:cNvSpPr>
           <p:nvPr>
-            <p:ph type="sldNum" sz="quarter" idx="12"/>
+            <p:ph type="sldNum" sz="quarter" idx="10"/>
           </p:nvPr>
         </p:nvSpPr>
         <p:spPr/>
@@ -6915,7 +6999,7 @@
             <a:fld id="{8F35CB8A-22DD-4279-9E9E-A49CDB5FBE56}" type="slidenum">
               <a:rPr lang="en-US" smtClean="0"/>
               <a:pPr/>
-              <a:t>22</a:t>
+              <a:t>20</a:t>
             </a:fld>
             <a:endParaRPr lang="en-US" dirty="0"/>
           </a:p>
@@ -6924,7 +7008,7 @@
     </p:spTree>
     <p:extLst>
       <p:ext uri="{BB962C8B-B14F-4D97-AF65-F5344CB8AC3E}">
-        <p14:creationId xmlns:p14="http://schemas.microsoft.com/office/powerpoint/2010/main" val="2047962969"/>
+        <p14:creationId xmlns:p14="http://schemas.microsoft.com/office/powerpoint/2010/main" val="1662466920"/>
       </p:ext>
     </p:extLst>
   </p:cSld>
@@ -6934,7 +7018,7 @@
 </p:sld>
 </file>
 
-<file path=ppt/slides/slide23.xml><?xml version="1.0" encoding="utf-8"?>
+<file path=ppt/slides/slide21.xml><?xml version="1.0" encoding="utf-8"?>
 <p:sld xmlns:a="http://schemas.openxmlformats.org/drawingml/2006/main" xmlns:r="http://schemas.openxmlformats.org/officeDocument/2006/relationships" xmlns:p="http://schemas.openxmlformats.org/presentationml/2006/main">
   <p:cSld>
     <p:spTree>
@@ -6953,12 +7037,12 @@
       </p:grpSpPr>
       <p:sp>
         <p:nvSpPr>
-          <p:cNvPr id="2" name="Titel 1"/>
-          <p:cNvSpPr>
-            <a:spLocks noGrp="1"/>
-          </p:cNvSpPr>
-          <p:nvPr>
-            <p:ph type="title"/>
+          <p:cNvPr id="12" name="Foliennummernplatzhalter 11"/>
+          <p:cNvSpPr>
+            <a:spLocks noGrp="1"/>
+          </p:cNvSpPr>
+          <p:nvPr>
+            <p:ph type="sldNum" sz="quarter" idx="10"/>
           </p:nvPr>
         </p:nvSpPr>
         <p:spPr/>
@@ -6966,967 +7050,32 @@
           <a:bodyPr/>
           <a:lstStyle/>
           <a:p>
-            <a:r>
-              <a:rPr lang="de-DE" dirty="0" smtClean="0"/>
-              <a:t>Migrations im Code-First-Approach</a:t>
-            </a:r>
-            <a:endParaRPr lang="de-DE" dirty="0"/>
-          </a:p>
-        </p:txBody>
-      </p:sp>
-      <p:sp>
-        <p:nvSpPr>
-          <p:cNvPr id="3" name="Inhaltsplatzhalter 2"/>
-          <p:cNvSpPr>
-            <a:spLocks noGrp="1"/>
-          </p:cNvSpPr>
-          <p:nvPr>
-            <p:ph idx="1"/>
-          </p:nvPr>
-        </p:nvSpPr>
-        <p:spPr/>
-        <p:txBody>
-          <a:bodyPr/>
-          <a:lstStyle/>
-          <a:p>
-            <a:r>
-              <a:rPr lang="de-DE" dirty="0" smtClean="0"/>
-              <a:t>Änderungen am Model kommen häufig vor</a:t>
-            </a:r>
-          </a:p>
-          <a:p>
-            <a:pPr lvl="1"/>
-            <a:r>
-              <a:rPr lang="de-DE" dirty="0" smtClean="0"/>
-              <a:t>Datenbank muss angepasst werden</a:t>
-            </a:r>
-          </a:p>
-          <a:p>
-            <a:r>
-              <a:rPr lang="de-DE" dirty="0" smtClean="0"/>
-              <a:t>Bei Database First Approach über den Designer möglich</a:t>
-            </a:r>
-          </a:p>
-          <a:p>
-            <a:r>
-              <a:rPr lang="de-DE" dirty="0" smtClean="0"/>
-              <a:t>Im Code First Approach gibt es hierfür Migrations</a:t>
-            </a:r>
-          </a:p>
-          <a:p>
-            <a:pPr lvl="1"/>
-            <a:r>
-              <a:rPr lang="de-DE" dirty="0" smtClean="0"/>
-              <a:t>Erkennt Änderungen am Model</a:t>
-            </a:r>
-          </a:p>
-          <a:p>
-            <a:pPr lvl="1"/>
-            <a:r>
-              <a:rPr lang="de-DE" dirty="0" smtClean="0"/>
-              <a:t>Überträgt diese Änderungen auf die Datenbank</a:t>
-            </a:r>
-          </a:p>
-          <a:p>
-            <a:endParaRPr lang="de-DE" dirty="0"/>
-          </a:p>
-        </p:txBody>
-      </p:sp>
-      <p:sp>
-        <p:nvSpPr>
-          <p:cNvPr id="4" name="Foliennummernplatzhalter 3"/>
-          <p:cNvSpPr>
-            <a:spLocks noGrp="1"/>
-          </p:cNvSpPr>
-          <p:nvPr>
-            <p:ph type="sldNum" sz="quarter" idx="12"/>
-          </p:nvPr>
-        </p:nvSpPr>
-        <p:spPr/>
-        <p:txBody>
-          <a:bodyPr/>
-          <a:lstStyle/>
-          <a:p>
-            <a:fld id="{8F35CB8A-22DD-4279-9E9E-A49CDB5FBE56}" type="slidenum">
-              <a:rPr lang="en-US" smtClean="0"/>
-              <a:pPr/>
-              <a:t>23</a:t>
+            <a:pPr>
+              <a:defRPr/>
+            </a:pPr>
+            <a:fld id="{447D8812-7F1A-4985-9D5E-D7E4ED464A4E}" type="slidenum">
+              <a:rPr lang="sv-SE" smtClean="0"/>
+              <a:pPr>
+                <a:defRPr/>
+              </a:pPr>
+              <a:t>21</a:t>
             </a:fld>
-            <a:endParaRPr lang="en-US" dirty="0"/>
+            <a:endParaRPr lang="sv-SE" dirty="0"/>
           </a:p>
         </p:txBody>
       </p:sp>
     </p:spTree>
-    <p:extLst>
-      <p:ext uri="{BB962C8B-B14F-4D97-AF65-F5344CB8AC3E}">
-        <p14:creationId xmlns:p14="http://schemas.microsoft.com/office/powerpoint/2010/main" val="324158710"/>
-      </p:ext>
-    </p:extLst>
   </p:cSld>
   <p:clrMapOvr>
     <a:masterClrMapping/>
   </p:clrMapOvr>
-</p:sld>
-</file>
-
-<file path=ppt/slides/slide24.xml><?xml version="1.0" encoding="utf-8"?>
-<p:sld xmlns:a="http://schemas.openxmlformats.org/drawingml/2006/main" xmlns:r="http://schemas.openxmlformats.org/officeDocument/2006/relationships" xmlns:p="http://schemas.openxmlformats.org/presentationml/2006/main">
-  <p:cSld>
-    <p:spTree>
-      <p:nvGrpSpPr>
-        <p:cNvPr id="1" name=""/>
-        <p:cNvGrpSpPr/>
-        <p:nvPr/>
-      </p:nvGrpSpPr>
-      <p:grpSpPr>
-        <a:xfrm>
-          <a:off x="0" y="0"/>
-          <a:ext cx="0" cy="0"/>
-          <a:chOff x="0" y="0"/>
-          <a:chExt cx="0" cy="0"/>
-        </a:xfrm>
-      </p:grpSpPr>
-      <p:sp>
-        <p:nvSpPr>
-          <p:cNvPr id="5" name="Titel 4"/>
-          <p:cNvSpPr>
-            <a:spLocks noGrp="1"/>
-          </p:cNvSpPr>
-          <p:nvPr>
-            <p:ph type="title"/>
-          </p:nvPr>
-        </p:nvSpPr>
-        <p:spPr/>
-        <p:txBody>
-          <a:bodyPr/>
-          <a:lstStyle/>
-          <a:p>
-            <a:r>
-              <a:rPr lang="de-DE" dirty="0" smtClean="0"/>
-              <a:t>Demo</a:t>
-            </a:r>
-            <a:endParaRPr lang="de-DE" dirty="0"/>
-          </a:p>
-        </p:txBody>
-      </p:sp>
-      <p:sp>
-        <p:nvSpPr>
-          <p:cNvPr id="6" name="Untertitel 5"/>
-          <p:cNvSpPr>
-            <a:spLocks noGrp="1"/>
-          </p:cNvSpPr>
-          <p:nvPr>
-            <p:ph type="subTitle" idx="1"/>
-          </p:nvPr>
-        </p:nvSpPr>
-        <p:spPr/>
-        <p:txBody>
-          <a:bodyPr/>
-          <a:lstStyle/>
-          <a:p>
-            <a:r>
-              <a:rPr lang="de-DE" dirty="0" smtClean="0"/>
-              <a:t>Migrations</a:t>
-            </a:r>
-            <a:endParaRPr lang="de-DE" dirty="0"/>
-          </a:p>
-        </p:txBody>
-      </p:sp>
-      <p:sp>
-        <p:nvSpPr>
-          <p:cNvPr id="4" name="Foliennummernplatzhalter 3"/>
-          <p:cNvSpPr>
-            <a:spLocks noGrp="1"/>
-          </p:cNvSpPr>
-          <p:nvPr>
-            <p:ph type="sldNum" sz="quarter" idx="10"/>
-          </p:nvPr>
-        </p:nvSpPr>
-        <p:spPr/>
-        <p:txBody>
-          <a:bodyPr/>
-          <a:lstStyle/>
-          <a:p>
-            <a:fld id="{8F35CB8A-22DD-4279-9E9E-A49CDB5FBE56}" type="slidenum">
-              <a:rPr lang="en-US" smtClean="0"/>
-              <a:pPr/>
-              <a:t>24</a:t>
-            </a:fld>
-            <a:endParaRPr lang="en-US" dirty="0"/>
-          </a:p>
-        </p:txBody>
-      </p:sp>
-    </p:spTree>
-    <p:extLst>
-      <p:ext uri="{BB962C8B-B14F-4D97-AF65-F5344CB8AC3E}">
-        <p14:creationId xmlns:p14="http://schemas.microsoft.com/office/powerpoint/2010/main" val="1603907808"/>
-      </p:ext>
-    </p:extLst>
-  </p:cSld>
-  <p:clrMapOvr>
-    <a:masterClrMapping/>
-  </p:clrMapOvr>
-</p:sld>
-</file>
-
-<file path=ppt/slides/slide25.xml><?xml version="1.0" encoding="utf-8"?>
-<p:sld xmlns:a="http://schemas.openxmlformats.org/drawingml/2006/main" xmlns:r="http://schemas.openxmlformats.org/officeDocument/2006/relationships" xmlns:p="http://schemas.openxmlformats.org/presentationml/2006/main">
-  <p:cSld>
-    <p:spTree>
-      <p:nvGrpSpPr>
-        <p:cNvPr id="1" name=""/>
-        <p:cNvGrpSpPr/>
-        <p:nvPr/>
-      </p:nvGrpSpPr>
-      <p:grpSpPr>
-        <a:xfrm>
-          <a:off x="0" y="0"/>
-          <a:ext cx="0" cy="0"/>
-          <a:chOff x="0" y="0"/>
-          <a:chExt cx="0" cy="0"/>
-        </a:xfrm>
-      </p:grpSpPr>
-      <p:sp>
-        <p:nvSpPr>
-          <p:cNvPr id="5" name="Titel 4"/>
-          <p:cNvSpPr>
-            <a:spLocks noGrp="1"/>
-          </p:cNvSpPr>
-          <p:nvPr>
-            <p:ph type="title"/>
-          </p:nvPr>
-        </p:nvSpPr>
-        <p:spPr/>
-        <p:txBody>
-          <a:bodyPr/>
-          <a:lstStyle/>
-          <a:p>
-            <a:r>
-              <a:rPr lang="de-DE" dirty="0" smtClean="0"/>
-              <a:t>Recap: Migrations</a:t>
-            </a:r>
-            <a:endParaRPr lang="de-DE" dirty="0"/>
-          </a:p>
-        </p:txBody>
-      </p:sp>
-      <p:sp>
-        <p:nvSpPr>
-          <p:cNvPr id="6" name="Inhaltsplatzhalter 5"/>
-          <p:cNvSpPr>
-            <a:spLocks noGrp="1"/>
-          </p:cNvSpPr>
-          <p:nvPr>
-            <p:ph idx="1"/>
-          </p:nvPr>
-        </p:nvSpPr>
-        <p:spPr/>
-        <p:txBody>
-          <a:bodyPr/>
-          <a:lstStyle/>
-          <a:p>
-            <a:r>
-              <a:rPr lang="de-DE" dirty="0" smtClean="0"/>
-              <a:t>Aktivieren in der Paket-Manager-Konsole</a:t>
-            </a:r>
-          </a:p>
-          <a:p>
-            <a:pPr lvl="1"/>
-            <a:r>
-              <a:rPr lang="de-DE" dirty="0" smtClean="0"/>
-              <a:t>Enable-Migrations</a:t>
-            </a:r>
-          </a:p>
-          <a:p>
-            <a:pPr lvl="2"/>
-            <a:r>
-              <a:rPr lang="de-DE" dirty="0" smtClean="0"/>
-              <a:t>Aktiviert Migrations für das gewählte Projekt</a:t>
-            </a:r>
-          </a:p>
-          <a:p>
-            <a:pPr lvl="1"/>
-            <a:r>
-              <a:rPr lang="de-DE" dirty="0" smtClean="0"/>
-              <a:t>Add-Migration Name</a:t>
-            </a:r>
-          </a:p>
-          <a:p>
-            <a:pPr lvl="2"/>
-            <a:r>
-              <a:rPr lang="de-DE" dirty="0" smtClean="0"/>
-              <a:t>Fügt eine neue Migration mit dem gegebenen Namen hinzu</a:t>
-            </a:r>
-          </a:p>
-          <a:p>
-            <a:pPr lvl="1"/>
-            <a:r>
-              <a:rPr lang="de-DE" dirty="0" smtClean="0"/>
-              <a:t>Update-Database</a:t>
-            </a:r>
-          </a:p>
-          <a:p>
-            <a:pPr lvl="2"/>
-            <a:r>
-              <a:rPr lang="de-DE" dirty="0" smtClean="0"/>
-              <a:t>Aktualisiert die Datenbank anhand der vorhandenen Migrationen</a:t>
-            </a:r>
-            <a:endParaRPr lang="de-DE" dirty="0"/>
-          </a:p>
-        </p:txBody>
-      </p:sp>
-      <p:sp>
-        <p:nvSpPr>
-          <p:cNvPr id="4" name="Foliennummernplatzhalter 3"/>
-          <p:cNvSpPr>
-            <a:spLocks noGrp="1"/>
-          </p:cNvSpPr>
-          <p:nvPr>
-            <p:ph type="sldNum" sz="quarter" idx="12"/>
-          </p:nvPr>
-        </p:nvSpPr>
-        <p:spPr/>
-        <p:txBody>
-          <a:bodyPr/>
-          <a:lstStyle/>
-          <a:p>
-            <a:fld id="{8F35CB8A-22DD-4279-9E9E-A49CDB5FBE56}" type="slidenum">
-              <a:rPr lang="en-US" smtClean="0"/>
-              <a:pPr/>
-              <a:t>25</a:t>
-            </a:fld>
-            <a:endParaRPr lang="en-US" dirty="0"/>
-          </a:p>
-        </p:txBody>
-      </p:sp>
-    </p:spTree>
-    <p:extLst>
-      <p:ext uri="{BB962C8B-B14F-4D97-AF65-F5344CB8AC3E}">
-        <p14:creationId xmlns:p14="http://schemas.microsoft.com/office/powerpoint/2010/main" val="1428498244"/>
-      </p:ext>
-    </p:extLst>
-  </p:cSld>
-  <p:clrMapOvr>
-    <a:masterClrMapping/>
-  </p:clrMapOvr>
-</p:sld>
-</file>
-
-<file path=ppt/slides/slide26.xml><?xml version="1.0" encoding="utf-8"?>
-<p:sld xmlns:a="http://schemas.openxmlformats.org/drawingml/2006/main" xmlns:r="http://schemas.openxmlformats.org/officeDocument/2006/relationships" xmlns:p="http://schemas.openxmlformats.org/presentationml/2006/main" show="0">
-  <p:cSld>
-    <p:spTree>
-      <p:nvGrpSpPr>
-        <p:cNvPr id="1" name=""/>
-        <p:cNvGrpSpPr/>
-        <p:nvPr/>
-      </p:nvGrpSpPr>
-      <p:grpSpPr>
-        <a:xfrm>
-          <a:off x="0" y="0"/>
-          <a:ext cx="0" cy="0"/>
-          <a:chOff x="0" y="0"/>
-          <a:chExt cx="0" cy="0"/>
-        </a:xfrm>
-      </p:grpSpPr>
-      <p:sp>
-        <p:nvSpPr>
-          <p:cNvPr id="2" name="Titel 1"/>
-          <p:cNvSpPr>
-            <a:spLocks noGrp="1"/>
-          </p:cNvSpPr>
-          <p:nvPr>
-            <p:ph type="title"/>
-          </p:nvPr>
-        </p:nvSpPr>
-        <p:spPr/>
-        <p:txBody>
-          <a:bodyPr/>
-          <a:lstStyle/>
-          <a:p>
-            <a:r>
-              <a:rPr lang="de-DE" dirty="0" smtClean="0"/>
-              <a:t>Konfigurieren von Eigenschaften und Typen mit der Fluent-API I</a:t>
-            </a:r>
-            <a:endParaRPr lang="de-DE" dirty="0"/>
-          </a:p>
-        </p:txBody>
-      </p:sp>
-      <p:sp>
-        <p:nvSpPr>
-          <p:cNvPr id="3" name="Inhaltsplatzhalter 2"/>
-          <p:cNvSpPr>
-            <a:spLocks noGrp="1"/>
-          </p:cNvSpPr>
-          <p:nvPr>
-            <p:ph idx="1"/>
-          </p:nvPr>
-        </p:nvSpPr>
-        <p:spPr/>
-        <p:txBody>
-          <a:bodyPr/>
-          <a:lstStyle/>
-          <a:p>
-            <a:r>
-              <a:rPr lang="de-DE" dirty="0" smtClean="0"/>
-              <a:t>Fluent Interfaces</a:t>
-            </a:r>
-          </a:p>
-          <a:p>
-            <a:pPr lvl="1"/>
-            <a:r>
-              <a:rPr lang="de-DE" dirty="0" smtClean="0"/>
-              <a:t>Interface besitzt eine Grammatik</a:t>
-            </a:r>
-          </a:p>
-          <a:p>
-            <a:pPr lvl="1"/>
-            <a:r>
-              <a:rPr lang="de-DE" dirty="0" smtClean="0"/>
-              <a:t>Entwickler bildet „Sätze“ mit den Methoden</a:t>
-            </a:r>
-          </a:p>
-          <a:p>
-            <a:r>
-              <a:rPr lang="de-DE" dirty="0" smtClean="0"/>
-              <a:t>Beispiel: Fluent-API des Entity Frameworks</a:t>
-            </a:r>
-          </a:p>
-          <a:p>
-            <a:endParaRPr lang="de-DE" dirty="0"/>
-          </a:p>
-        </p:txBody>
-      </p:sp>
-      <p:sp>
-        <p:nvSpPr>
-          <p:cNvPr id="4" name="Foliennummernplatzhalter 3"/>
-          <p:cNvSpPr>
-            <a:spLocks noGrp="1"/>
-          </p:cNvSpPr>
-          <p:nvPr>
-            <p:ph type="sldNum" sz="quarter" idx="12"/>
-          </p:nvPr>
-        </p:nvSpPr>
-        <p:spPr/>
-        <p:txBody>
-          <a:bodyPr/>
-          <a:lstStyle/>
-          <a:p>
-            <a:fld id="{8F35CB8A-22DD-4279-9E9E-A49CDB5FBE56}" type="slidenum">
-              <a:rPr lang="en-US" smtClean="0"/>
-              <a:pPr/>
-              <a:t>26</a:t>
-            </a:fld>
-            <a:endParaRPr lang="en-US" dirty="0"/>
-          </a:p>
-        </p:txBody>
-      </p:sp>
-      <p:pic>
-        <p:nvPicPr>
-          <p:cNvPr id="5" name="Grafik 4"/>
-          <p:cNvPicPr>
-            <a:picLocks noChangeAspect="1"/>
-          </p:cNvPicPr>
-          <p:nvPr/>
-        </p:nvPicPr>
-        <p:blipFill>
-          <a:blip r:embed="rId2"/>
-          <a:stretch>
-            <a:fillRect/>
-          </a:stretch>
-        </p:blipFill>
-        <p:spPr>
-          <a:xfrm>
-            <a:off x="587298" y="2749412"/>
-            <a:ext cx="4672426" cy="2295817"/>
-          </a:xfrm>
-          <a:prstGeom prst="rect">
-            <a:avLst/>
-          </a:prstGeom>
-        </p:spPr>
-      </p:pic>
-    </p:spTree>
-    <p:extLst>
-      <p:ext uri="{BB962C8B-B14F-4D97-AF65-F5344CB8AC3E}">
-        <p14:creationId xmlns:p14="http://schemas.microsoft.com/office/powerpoint/2010/main" val="2635326080"/>
-      </p:ext>
-    </p:extLst>
-  </p:cSld>
-  <p:clrMapOvr>
-    <a:masterClrMapping/>
-  </p:clrMapOvr>
-  <mc:AlternateContent xmlns:mc="http://schemas.openxmlformats.org/markup-compatibility/2006" xmlns:p14="http://schemas.microsoft.com/office/powerpoint/2010/main">
-    <mc:Choice Requires="p14">
-      <p:transition spd="slow" p14:dur="2000"/>
-    </mc:Choice>
-    <mc:Fallback xmlns="">
-      <p:transition spd="slow"/>
-    </mc:Fallback>
-  </mc:AlternateContent>
-</p:sld>
-</file>
-
-<file path=ppt/slides/slide27.xml><?xml version="1.0" encoding="utf-8"?>
-<p:sld xmlns:a="http://schemas.openxmlformats.org/drawingml/2006/main" xmlns:r="http://schemas.openxmlformats.org/officeDocument/2006/relationships" xmlns:p="http://schemas.openxmlformats.org/presentationml/2006/main" show="0">
-  <p:cSld>
-    <p:spTree>
-      <p:nvGrpSpPr>
-        <p:cNvPr id="1" name=""/>
-        <p:cNvGrpSpPr/>
-        <p:nvPr/>
-      </p:nvGrpSpPr>
-      <p:grpSpPr>
-        <a:xfrm>
-          <a:off x="0" y="0"/>
-          <a:ext cx="0" cy="0"/>
-          <a:chOff x="0" y="0"/>
-          <a:chExt cx="0" cy="0"/>
-        </a:xfrm>
-      </p:grpSpPr>
-      <p:sp>
-        <p:nvSpPr>
-          <p:cNvPr id="2" name="Titel 1"/>
-          <p:cNvSpPr>
-            <a:spLocks noGrp="1"/>
-          </p:cNvSpPr>
-          <p:nvPr>
-            <p:ph type="title"/>
-          </p:nvPr>
-        </p:nvSpPr>
-        <p:spPr/>
-        <p:txBody>
-          <a:bodyPr/>
-          <a:lstStyle/>
-          <a:p>
-            <a:r>
-              <a:rPr lang="de-DE" dirty="0"/>
-              <a:t>Konfigurieren von Eigenschaften und Typen mit der Fluent-API </a:t>
-            </a:r>
-            <a:r>
-              <a:rPr lang="de-DE" dirty="0" smtClean="0"/>
-              <a:t>II</a:t>
-            </a:r>
-            <a:endParaRPr lang="de-DE" dirty="0"/>
-          </a:p>
-        </p:txBody>
-      </p:sp>
-      <p:sp>
-        <p:nvSpPr>
-          <p:cNvPr id="3" name="Inhaltsplatzhalter 2"/>
-          <p:cNvSpPr>
-            <a:spLocks noGrp="1"/>
-          </p:cNvSpPr>
-          <p:nvPr>
-            <p:ph idx="1"/>
-          </p:nvPr>
-        </p:nvSpPr>
-        <p:spPr/>
-        <p:txBody>
-          <a:bodyPr/>
-          <a:lstStyle/>
-          <a:p>
-            <a:r>
-              <a:rPr lang="de-DE" dirty="0" smtClean="0"/>
-              <a:t>Mapping auf eigene Bedürfnisse anpassen</a:t>
-            </a:r>
-          </a:p>
-          <a:p>
-            <a:pPr lvl="1"/>
-            <a:r>
-              <a:rPr lang="de-DE" dirty="0" smtClean="0"/>
-              <a:t>Welche Eigenschaften stellt den Primärschlüssel der Entity dar</a:t>
-            </a:r>
-          </a:p>
-          <a:p>
-            <a:pPr lvl="2"/>
-            <a:r>
-              <a:rPr lang="de-DE" dirty="0" smtClean="0"/>
-              <a:t>Primärschlüssel kann auch aus mehreren Eigenschaften gebildet werden</a:t>
-            </a:r>
-          </a:p>
-          <a:p>
-            <a:pPr lvl="1"/>
-            <a:r>
-              <a:rPr lang="de-DE" dirty="0" smtClean="0"/>
-              <a:t>Welche Einschränkungen gelten für die Eigenschaften</a:t>
-            </a:r>
-          </a:p>
-          <a:p>
-            <a:pPr lvl="2"/>
-            <a:r>
-              <a:rPr lang="de-DE" dirty="0"/>
-              <a:t>Minimale/Maximale Länge, Null zulässig oder nicht</a:t>
-            </a:r>
-          </a:p>
-          <a:p>
-            <a:pPr lvl="1"/>
-            <a:r>
-              <a:rPr lang="de-DE" dirty="0" smtClean="0"/>
-              <a:t>Auf welche Spalte soll eine Eigenschaft abgebildet werden</a:t>
-            </a:r>
-          </a:p>
-          <a:p>
-            <a:pPr lvl="1"/>
-            <a:r>
-              <a:rPr lang="de-DE" dirty="0" smtClean="0"/>
-              <a:t>Auf welche Tabelle soll eine Entity abgebildet werden</a:t>
-            </a:r>
-          </a:p>
-          <a:p>
-            <a:pPr lvl="1"/>
-            <a:r>
-              <a:rPr lang="de-DE" dirty="0" smtClean="0"/>
-              <a:t>Fremdschlüsselbeziehungen angeben</a:t>
-            </a:r>
-          </a:p>
-          <a:p>
-            <a:pPr lvl="1"/>
-            <a:r>
-              <a:rPr lang="de-DE" dirty="0" smtClean="0"/>
-              <a:t>Navigationseigenschaft festlegen</a:t>
-            </a:r>
-          </a:p>
-          <a:p>
-            <a:pPr lvl="1"/>
-            <a:endParaRPr lang="de-DE" dirty="0"/>
-          </a:p>
-        </p:txBody>
-      </p:sp>
-      <p:sp>
-        <p:nvSpPr>
-          <p:cNvPr id="4" name="Foliennummernplatzhalter 3"/>
-          <p:cNvSpPr>
-            <a:spLocks noGrp="1"/>
-          </p:cNvSpPr>
-          <p:nvPr>
-            <p:ph type="sldNum" sz="quarter" idx="12"/>
-          </p:nvPr>
-        </p:nvSpPr>
-        <p:spPr/>
-        <p:txBody>
-          <a:bodyPr/>
-          <a:lstStyle/>
-          <a:p>
-            <a:fld id="{8F35CB8A-22DD-4279-9E9E-A49CDB5FBE56}" type="slidenum">
-              <a:rPr lang="en-US" smtClean="0"/>
-              <a:pPr/>
-              <a:t>27</a:t>
-            </a:fld>
-            <a:endParaRPr lang="en-US" dirty="0"/>
-          </a:p>
-        </p:txBody>
-      </p:sp>
-    </p:spTree>
-    <p:extLst>
-      <p:ext uri="{BB962C8B-B14F-4D97-AF65-F5344CB8AC3E}">
-        <p14:creationId xmlns:p14="http://schemas.microsoft.com/office/powerpoint/2010/main" val="1854615909"/>
-      </p:ext>
-    </p:extLst>
-  </p:cSld>
-  <p:clrMapOvr>
-    <a:masterClrMapping/>
-  </p:clrMapOvr>
-  <mc:AlternateContent xmlns:mc="http://schemas.openxmlformats.org/markup-compatibility/2006" xmlns:p14="http://schemas.microsoft.com/office/powerpoint/2010/main">
-    <mc:Choice Requires="p14">
-      <p:transition spd="slow" p14:dur="2000"/>
-    </mc:Choice>
-    <mc:Fallback xmlns="">
-      <p:transition spd="slow"/>
-    </mc:Fallback>
-  </mc:AlternateContent>
-</p:sld>
-</file>
-
-<file path=ppt/slides/slide28.xml><?xml version="1.0" encoding="utf-8"?>
-<p:sld xmlns:a="http://schemas.openxmlformats.org/drawingml/2006/main" xmlns:r="http://schemas.openxmlformats.org/officeDocument/2006/relationships" xmlns:p="http://schemas.openxmlformats.org/presentationml/2006/main" show="0">
-  <p:cSld>
-    <p:spTree>
-      <p:nvGrpSpPr>
-        <p:cNvPr id="1" name=""/>
-        <p:cNvGrpSpPr/>
-        <p:nvPr/>
-      </p:nvGrpSpPr>
-      <p:grpSpPr>
-        <a:xfrm>
-          <a:off x="0" y="0"/>
-          <a:ext cx="0" cy="0"/>
-          <a:chOff x="0" y="0"/>
-          <a:chExt cx="0" cy="0"/>
-        </a:xfrm>
-      </p:grpSpPr>
-      <p:sp>
-        <p:nvSpPr>
-          <p:cNvPr id="5" name="Titel 4"/>
-          <p:cNvSpPr>
-            <a:spLocks noGrp="1"/>
-          </p:cNvSpPr>
-          <p:nvPr>
-            <p:ph type="title"/>
-          </p:nvPr>
-        </p:nvSpPr>
-        <p:spPr/>
-        <p:txBody>
-          <a:bodyPr/>
-          <a:lstStyle/>
-          <a:p>
-            <a:r>
-              <a:rPr lang="de-DE" dirty="0" smtClean="0"/>
-              <a:t>Demo</a:t>
-            </a:r>
-            <a:endParaRPr lang="de-DE" dirty="0"/>
-          </a:p>
-        </p:txBody>
-      </p:sp>
-      <p:sp>
-        <p:nvSpPr>
-          <p:cNvPr id="6" name="Untertitel 5"/>
-          <p:cNvSpPr>
-            <a:spLocks noGrp="1"/>
-          </p:cNvSpPr>
-          <p:nvPr>
-            <p:ph type="subTitle" idx="1"/>
-          </p:nvPr>
-        </p:nvSpPr>
-        <p:spPr/>
-        <p:txBody>
-          <a:bodyPr/>
-          <a:lstStyle/>
-          <a:p>
-            <a:r>
-              <a:rPr lang="de-DE" dirty="0" smtClean="0"/>
-              <a:t>Fluent API</a:t>
-            </a:r>
-            <a:endParaRPr lang="de-DE" dirty="0"/>
-          </a:p>
-        </p:txBody>
-      </p:sp>
-      <p:sp>
-        <p:nvSpPr>
-          <p:cNvPr id="4" name="Foliennummernplatzhalter 3"/>
-          <p:cNvSpPr>
-            <a:spLocks noGrp="1"/>
-          </p:cNvSpPr>
-          <p:nvPr>
-            <p:ph type="sldNum" sz="quarter" idx="10"/>
-          </p:nvPr>
-        </p:nvSpPr>
-        <p:spPr/>
-        <p:txBody>
-          <a:bodyPr/>
-          <a:lstStyle/>
-          <a:p>
-            <a:fld id="{8F35CB8A-22DD-4279-9E9E-A49CDB5FBE56}" type="slidenum">
-              <a:rPr lang="en-US" smtClean="0"/>
-              <a:pPr/>
-              <a:t>28</a:t>
-            </a:fld>
-            <a:endParaRPr lang="en-US" dirty="0"/>
-          </a:p>
-        </p:txBody>
-      </p:sp>
-    </p:spTree>
-    <p:extLst>
-      <p:ext uri="{BB962C8B-B14F-4D97-AF65-F5344CB8AC3E}">
-        <p14:creationId xmlns:p14="http://schemas.microsoft.com/office/powerpoint/2010/main" val="1086633653"/>
-      </p:ext>
-    </p:extLst>
-  </p:cSld>
-  <p:clrMapOvr>
-    <a:masterClrMapping/>
-  </p:clrMapOvr>
-  <mc:AlternateContent xmlns:mc="http://schemas.openxmlformats.org/markup-compatibility/2006" xmlns:p14="http://schemas.microsoft.com/office/powerpoint/2010/main">
-    <mc:Choice Requires="p14">
-      <p:transition spd="slow" p14:dur="2000"/>
-    </mc:Choice>
-    <mc:Fallback xmlns="">
-      <p:transition spd="slow"/>
-    </mc:Fallback>
-  </mc:AlternateContent>
-</p:sld>
-</file>
-
-<file path=ppt/slides/slide29.xml><?xml version="1.0" encoding="utf-8"?>
-<p:sld xmlns:a="http://schemas.openxmlformats.org/drawingml/2006/main" xmlns:r="http://schemas.openxmlformats.org/officeDocument/2006/relationships" xmlns:p="http://schemas.openxmlformats.org/presentationml/2006/main" show="0">
-  <p:cSld>
-    <p:spTree>
-      <p:nvGrpSpPr>
-        <p:cNvPr id="1" name=""/>
-        <p:cNvGrpSpPr/>
-        <p:nvPr/>
-      </p:nvGrpSpPr>
-      <p:grpSpPr>
-        <a:xfrm>
-          <a:off x="0" y="0"/>
-          <a:ext cx="0" cy="0"/>
-          <a:chOff x="0" y="0"/>
-          <a:chExt cx="0" cy="0"/>
-        </a:xfrm>
-      </p:grpSpPr>
-      <p:sp>
-        <p:nvSpPr>
-          <p:cNvPr id="5" name="Titel 4"/>
-          <p:cNvSpPr>
-            <a:spLocks noGrp="1"/>
-          </p:cNvSpPr>
-          <p:nvPr>
-            <p:ph type="title"/>
-          </p:nvPr>
-        </p:nvSpPr>
-        <p:spPr/>
-        <p:txBody>
-          <a:bodyPr/>
-          <a:lstStyle/>
-          <a:p>
-            <a:r>
-              <a:rPr lang="de-DE" dirty="0" smtClean="0"/>
-              <a:t>RECAP: Fluent-API</a:t>
-            </a:r>
-            <a:endParaRPr lang="de-DE" dirty="0"/>
-          </a:p>
-        </p:txBody>
-      </p:sp>
-      <p:sp>
-        <p:nvSpPr>
-          <p:cNvPr id="6" name="Inhaltsplatzhalter 5"/>
-          <p:cNvSpPr>
-            <a:spLocks noGrp="1"/>
-          </p:cNvSpPr>
-          <p:nvPr>
-            <p:ph idx="1"/>
-          </p:nvPr>
-        </p:nvSpPr>
-        <p:spPr/>
-        <p:txBody>
-          <a:bodyPr/>
-          <a:lstStyle/>
-          <a:p>
-            <a:r>
-              <a:rPr lang="de-DE" dirty="0" smtClean="0"/>
-              <a:t>In der Kontextklasse OnModelCreating überschreiben</a:t>
-            </a:r>
-          </a:p>
-          <a:p>
-            <a:r>
-              <a:rPr lang="de-DE" dirty="0" smtClean="0"/>
-              <a:t>Entity T konfigurieren</a:t>
-            </a:r>
-          </a:p>
-          <a:p>
-            <a:endParaRPr lang="de-DE" dirty="0"/>
-          </a:p>
-          <a:p>
-            <a:endParaRPr lang="de-DE" dirty="0" smtClean="0"/>
-          </a:p>
-          <a:p>
-            <a:endParaRPr lang="de-DE" dirty="0"/>
-          </a:p>
-          <a:p>
-            <a:endParaRPr lang="de-DE" dirty="0" smtClean="0"/>
-          </a:p>
-          <a:p>
-            <a:endParaRPr lang="de-DE" dirty="0"/>
-          </a:p>
-          <a:p>
-            <a:r>
-              <a:rPr lang="de-DE" dirty="0" smtClean="0"/>
-              <a:t>Aneinanderkettung möglich</a:t>
-            </a:r>
-          </a:p>
-          <a:p>
-            <a:pPr lvl="1"/>
-            <a:endParaRPr lang="de-DE" dirty="0"/>
-          </a:p>
-        </p:txBody>
-      </p:sp>
-      <p:sp>
-        <p:nvSpPr>
-          <p:cNvPr id="4" name="Foliennummernplatzhalter 3"/>
-          <p:cNvSpPr>
-            <a:spLocks noGrp="1"/>
-          </p:cNvSpPr>
-          <p:nvPr>
-            <p:ph type="sldNum" sz="quarter" idx="12"/>
-          </p:nvPr>
-        </p:nvSpPr>
-        <p:spPr/>
-        <p:txBody>
-          <a:bodyPr/>
-          <a:lstStyle/>
-          <a:p>
-            <a:fld id="{8F35CB8A-22DD-4279-9E9E-A49CDB5FBE56}" type="slidenum">
-              <a:rPr lang="en-US" smtClean="0"/>
-              <a:pPr/>
-              <a:t>29</a:t>
-            </a:fld>
-            <a:endParaRPr lang="en-US" dirty="0"/>
-          </a:p>
-        </p:txBody>
-      </p:sp>
-      <p:pic>
-        <p:nvPicPr>
-          <p:cNvPr id="7" name="Grafik 6"/>
-          <p:cNvPicPr>
-            <a:picLocks noChangeAspect="1"/>
-          </p:cNvPicPr>
-          <p:nvPr/>
-        </p:nvPicPr>
-        <p:blipFill>
-          <a:blip r:embed="rId2"/>
-          <a:stretch>
-            <a:fillRect/>
-          </a:stretch>
-        </p:blipFill>
-        <p:spPr>
-          <a:xfrm>
-            <a:off x="927272" y="2150752"/>
-            <a:ext cx="4618762" cy="1704367"/>
-          </a:xfrm>
-          <a:prstGeom prst="rect">
-            <a:avLst/>
-          </a:prstGeom>
-        </p:spPr>
-      </p:pic>
-      <p:pic>
-        <p:nvPicPr>
-          <p:cNvPr id="8" name="Grafik 7"/>
-          <p:cNvPicPr>
-            <a:picLocks noChangeAspect="1"/>
-          </p:cNvPicPr>
-          <p:nvPr/>
-        </p:nvPicPr>
-        <p:blipFill>
-          <a:blip r:embed="rId3"/>
-          <a:stretch>
-            <a:fillRect/>
-          </a:stretch>
-        </p:blipFill>
-        <p:spPr>
-          <a:xfrm>
-            <a:off x="899939" y="4352075"/>
-            <a:ext cx="4074249" cy="1545124"/>
-          </a:xfrm>
-          <a:prstGeom prst="rect">
-            <a:avLst/>
-          </a:prstGeom>
-        </p:spPr>
-      </p:pic>
-    </p:spTree>
-    <p:extLst>
-      <p:ext uri="{BB962C8B-B14F-4D97-AF65-F5344CB8AC3E}">
-        <p14:creationId xmlns:p14="http://schemas.microsoft.com/office/powerpoint/2010/main" val="2097393781"/>
-      </p:ext>
-    </p:extLst>
-  </p:cSld>
-  <p:clrMapOvr>
-    <a:masterClrMapping/>
-  </p:clrMapOvr>
-  <mc:AlternateContent xmlns:mc="http://schemas.openxmlformats.org/markup-compatibility/2006" xmlns:p14="http://schemas.microsoft.com/office/powerpoint/2010/main">
-    <mc:Choice Requires="p14">
-      <p:transition spd="slow" p14:dur="2000"/>
-    </mc:Choice>
-    <mc:Fallback xmlns="">
-      <p:transition spd="slow"/>
-    </mc:Fallback>
-  </mc:AlternateContent>
+  <p:timing>
+    <p:tnLst>
+      <p:par>
+        <p:cTn id="1" dur="indefinite" restart="never" nodeType="tmRoot"/>
+      </p:par>
+    </p:tnLst>
+  </p:timing>
 </p:sld>
 </file>
 
@@ -7992,7 +7141,6 @@
               <a:rPr lang="de-DE" dirty="0"/>
               <a:t>Sadeq Abu Hantash</a:t>
             </a:r>
-            <a:endParaRPr lang="de-DE" dirty="0"/>
           </a:p>
         </p:txBody>
       </p:sp>
@@ -8040,1223 +7188,6 @@
 </p:sld>
 </file>
 
-<file path=ppt/slides/slide30.xml><?xml version="1.0" encoding="utf-8"?>
-<p:sld xmlns:a="http://schemas.openxmlformats.org/drawingml/2006/main" xmlns:r="http://schemas.openxmlformats.org/officeDocument/2006/relationships" xmlns:p="http://schemas.openxmlformats.org/presentationml/2006/main">
-  <p:cSld>
-    <p:spTree>
-      <p:nvGrpSpPr>
-        <p:cNvPr id="1" name=""/>
-        <p:cNvGrpSpPr/>
-        <p:nvPr/>
-      </p:nvGrpSpPr>
-      <p:grpSpPr>
-        <a:xfrm>
-          <a:off x="0" y="0"/>
-          <a:ext cx="0" cy="0"/>
-          <a:chOff x="0" y="0"/>
-          <a:chExt cx="0" cy="0"/>
-        </a:xfrm>
-      </p:grpSpPr>
-      <p:sp>
-        <p:nvSpPr>
-          <p:cNvPr id="2" name="Titel 1"/>
-          <p:cNvSpPr>
-            <a:spLocks noGrp="1"/>
-          </p:cNvSpPr>
-          <p:nvPr>
-            <p:ph type="title"/>
-          </p:nvPr>
-        </p:nvSpPr>
-        <p:spPr/>
-        <p:txBody>
-          <a:bodyPr/>
-          <a:lstStyle/>
-          <a:p>
-            <a:r>
-              <a:rPr lang="de-DE" dirty="0" smtClean="0"/>
-              <a:t>Data Annotations im Code-First-Approach I</a:t>
-            </a:r>
-            <a:endParaRPr lang="de-DE" dirty="0"/>
-          </a:p>
-        </p:txBody>
-      </p:sp>
-      <p:sp>
-        <p:nvSpPr>
-          <p:cNvPr id="3" name="Inhaltsplatzhalter 2"/>
-          <p:cNvSpPr>
-            <a:spLocks noGrp="1"/>
-          </p:cNvSpPr>
-          <p:nvPr>
-            <p:ph idx="1"/>
-          </p:nvPr>
-        </p:nvSpPr>
-        <p:spPr/>
-        <p:txBody>
-          <a:bodyPr/>
-          <a:lstStyle/>
-          <a:p>
-            <a:r>
-              <a:rPr lang="de-DE" dirty="0" smtClean="0"/>
-              <a:t>Mapping auf eigene Bedürfnisse anpassen</a:t>
-            </a:r>
-          </a:p>
-          <a:p>
-            <a:pPr lvl="1"/>
-            <a:r>
-              <a:rPr lang="de-DE" dirty="0" smtClean="0"/>
-              <a:t>Einschränkungen werden nicht an zentrale Stelle gesammelt</a:t>
-            </a:r>
-          </a:p>
-          <a:p>
-            <a:pPr lvl="1"/>
-            <a:r>
-              <a:rPr lang="de-DE" dirty="0" smtClean="0"/>
-              <a:t>Einschränkungen stehen da, wo Eigenschaften und Typen definiert sind</a:t>
-            </a:r>
-          </a:p>
-          <a:p>
-            <a:r>
-              <a:rPr lang="de-DE" dirty="0" smtClean="0"/>
-              <a:t>Namespace</a:t>
-            </a:r>
-          </a:p>
-          <a:p>
-            <a:pPr lvl="1"/>
-            <a:r>
-              <a:rPr lang="de-DE" dirty="0" smtClean="0"/>
-              <a:t>System.ComponentModel.DataAnnotations</a:t>
-            </a:r>
-            <a:endParaRPr lang="de-DE" dirty="0"/>
-          </a:p>
-        </p:txBody>
-      </p:sp>
-      <p:sp>
-        <p:nvSpPr>
-          <p:cNvPr id="4" name="Foliennummernplatzhalter 3"/>
-          <p:cNvSpPr>
-            <a:spLocks noGrp="1"/>
-          </p:cNvSpPr>
-          <p:nvPr>
-            <p:ph type="sldNum" sz="quarter" idx="12"/>
-          </p:nvPr>
-        </p:nvSpPr>
-        <p:spPr/>
-        <p:txBody>
-          <a:bodyPr/>
-          <a:lstStyle/>
-          <a:p>
-            <a:fld id="{8F35CB8A-22DD-4279-9E9E-A49CDB5FBE56}" type="slidenum">
-              <a:rPr lang="en-US" smtClean="0"/>
-              <a:pPr/>
-              <a:t>30</a:t>
-            </a:fld>
-            <a:endParaRPr lang="en-US" dirty="0"/>
-          </a:p>
-        </p:txBody>
-      </p:sp>
-    </p:spTree>
-    <p:extLst>
-      <p:ext uri="{BB962C8B-B14F-4D97-AF65-F5344CB8AC3E}">
-        <p14:creationId xmlns:p14="http://schemas.microsoft.com/office/powerpoint/2010/main" val="1431147374"/>
-      </p:ext>
-    </p:extLst>
-  </p:cSld>
-  <p:clrMapOvr>
-    <a:masterClrMapping/>
-  </p:clrMapOvr>
-</p:sld>
-</file>
-
-<file path=ppt/slides/slide31.xml><?xml version="1.0" encoding="utf-8"?>
-<p:sld xmlns:a="http://schemas.openxmlformats.org/drawingml/2006/main" xmlns:r="http://schemas.openxmlformats.org/officeDocument/2006/relationships" xmlns:p="http://schemas.openxmlformats.org/presentationml/2006/main">
-  <p:cSld>
-    <p:spTree>
-      <p:nvGrpSpPr>
-        <p:cNvPr id="1" name=""/>
-        <p:cNvGrpSpPr/>
-        <p:nvPr/>
-      </p:nvGrpSpPr>
-      <p:grpSpPr>
-        <a:xfrm>
-          <a:off x="0" y="0"/>
-          <a:ext cx="0" cy="0"/>
-          <a:chOff x="0" y="0"/>
-          <a:chExt cx="0" cy="0"/>
-        </a:xfrm>
-      </p:grpSpPr>
-      <p:sp>
-        <p:nvSpPr>
-          <p:cNvPr id="2" name="Titel 1"/>
-          <p:cNvSpPr>
-            <a:spLocks noGrp="1"/>
-          </p:cNvSpPr>
-          <p:nvPr>
-            <p:ph type="title"/>
-          </p:nvPr>
-        </p:nvSpPr>
-        <p:spPr/>
-        <p:txBody>
-          <a:bodyPr/>
-          <a:lstStyle/>
-          <a:p>
-            <a:r>
-              <a:rPr lang="de-DE" dirty="0" smtClean="0"/>
-              <a:t>Primärschlüssel angeben</a:t>
-            </a:r>
-            <a:endParaRPr lang="de-DE" dirty="0"/>
-          </a:p>
-        </p:txBody>
-      </p:sp>
-      <p:sp>
-        <p:nvSpPr>
-          <p:cNvPr id="3" name="Inhaltsplatzhalter 2"/>
-          <p:cNvSpPr>
-            <a:spLocks noGrp="1"/>
-          </p:cNvSpPr>
-          <p:nvPr>
-            <p:ph idx="1"/>
-          </p:nvPr>
-        </p:nvSpPr>
-        <p:spPr/>
-        <p:txBody>
-          <a:bodyPr/>
-          <a:lstStyle/>
-          <a:p>
-            <a:r>
-              <a:rPr lang="de-DE" dirty="0" smtClean="0"/>
-              <a:t>Andere Eigenschaft als Primärschlüssel</a:t>
-            </a:r>
-          </a:p>
-          <a:p>
-            <a:endParaRPr lang="de-DE" dirty="0"/>
-          </a:p>
-          <a:p>
-            <a:endParaRPr lang="de-DE" dirty="0" smtClean="0"/>
-          </a:p>
-          <a:p>
-            <a:endParaRPr lang="de-DE" dirty="0"/>
-          </a:p>
-          <a:p>
-            <a:endParaRPr lang="de-DE" dirty="0" smtClean="0"/>
-          </a:p>
-          <a:p>
-            <a:endParaRPr lang="de-DE" dirty="0" smtClean="0"/>
-          </a:p>
-          <a:p>
-            <a:r>
-              <a:rPr lang="de-DE" dirty="0" smtClean="0"/>
-              <a:t>Verbundschlüssel (mehrere Spalten definieren Schlüssel)</a:t>
-            </a:r>
-          </a:p>
-          <a:p>
-            <a:endParaRPr lang="de-DE" dirty="0"/>
-          </a:p>
-        </p:txBody>
-      </p:sp>
-      <p:sp>
-        <p:nvSpPr>
-          <p:cNvPr id="4" name="Foliennummernplatzhalter 3"/>
-          <p:cNvSpPr>
-            <a:spLocks noGrp="1"/>
-          </p:cNvSpPr>
-          <p:nvPr>
-            <p:ph type="sldNum" sz="quarter" idx="12"/>
-          </p:nvPr>
-        </p:nvSpPr>
-        <p:spPr/>
-        <p:txBody>
-          <a:bodyPr/>
-          <a:lstStyle/>
-          <a:p>
-            <a:fld id="{8F35CB8A-22DD-4279-9E9E-A49CDB5FBE56}" type="slidenum">
-              <a:rPr lang="en-US" smtClean="0"/>
-              <a:pPr/>
-              <a:t>31</a:t>
-            </a:fld>
-            <a:endParaRPr lang="en-US" dirty="0"/>
-          </a:p>
-        </p:txBody>
-      </p:sp>
-      <p:pic>
-        <p:nvPicPr>
-          <p:cNvPr id="5" name="Grafik 4"/>
-          <p:cNvPicPr>
-            <a:picLocks noChangeAspect="1"/>
-          </p:cNvPicPr>
-          <p:nvPr/>
-        </p:nvPicPr>
-        <p:blipFill>
-          <a:blip r:embed="rId2"/>
-          <a:stretch>
-            <a:fillRect/>
-          </a:stretch>
-        </p:blipFill>
-        <p:spPr>
-          <a:xfrm>
-            <a:off x="587299" y="1670154"/>
-            <a:ext cx="4461780" cy="1424770"/>
-          </a:xfrm>
-          <a:prstGeom prst="rect">
-            <a:avLst/>
-          </a:prstGeom>
-        </p:spPr>
-      </p:pic>
-      <p:pic>
-        <p:nvPicPr>
-          <p:cNvPr id="6" name="Grafik 5"/>
-          <p:cNvPicPr>
-            <a:picLocks noChangeAspect="1"/>
-          </p:cNvPicPr>
-          <p:nvPr/>
-        </p:nvPicPr>
-        <p:blipFill>
-          <a:blip r:embed="rId3"/>
-          <a:stretch>
-            <a:fillRect/>
-          </a:stretch>
-        </p:blipFill>
-        <p:spPr>
-          <a:xfrm>
-            <a:off x="587298" y="4026124"/>
-            <a:ext cx="4453765" cy="1850356"/>
-          </a:xfrm>
-          <a:prstGeom prst="rect">
-            <a:avLst/>
-          </a:prstGeom>
-        </p:spPr>
-      </p:pic>
-    </p:spTree>
-    <p:extLst>
-      <p:ext uri="{BB962C8B-B14F-4D97-AF65-F5344CB8AC3E}">
-        <p14:creationId xmlns:p14="http://schemas.microsoft.com/office/powerpoint/2010/main" val="3817162044"/>
-      </p:ext>
-    </p:extLst>
-  </p:cSld>
-  <p:clrMapOvr>
-    <a:masterClrMapping/>
-  </p:clrMapOvr>
-</p:sld>
-</file>
-
-<file path=ppt/slides/slide32.xml><?xml version="1.0" encoding="utf-8"?>
-<p:sld xmlns:a="http://schemas.openxmlformats.org/drawingml/2006/main" xmlns:r="http://schemas.openxmlformats.org/officeDocument/2006/relationships" xmlns:p="http://schemas.openxmlformats.org/presentationml/2006/main">
-  <p:cSld>
-    <p:spTree>
-      <p:nvGrpSpPr>
-        <p:cNvPr id="1" name=""/>
-        <p:cNvGrpSpPr/>
-        <p:nvPr/>
-      </p:nvGrpSpPr>
-      <p:grpSpPr>
-        <a:xfrm>
-          <a:off x="0" y="0"/>
-          <a:ext cx="0" cy="0"/>
-          <a:chOff x="0" y="0"/>
-          <a:chExt cx="0" cy="0"/>
-        </a:xfrm>
-      </p:grpSpPr>
-      <p:sp>
-        <p:nvSpPr>
-          <p:cNvPr id="2" name="Titel 1"/>
-          <p:cNvSpPr>
-            <a:spLocks noGrp="1"/>
-          </p:cNvSpPr>
-          <p:nvPr>
-            <p:ph type="title"/>
-          </p:nvPr>
-        </p:nvSpPr>
-        <p:spPr/>
-        <p:txBody>
-          <a:bodyPr/>
-          <a:lstStyle/>
-          <a:p>
-            <a:r>
-              <a:rPr lang="de-DE" dirty="0" smtClean="0"/>
-              <a:t>Einschränkung für Eigenschaften</a:t>
-            </a:r>
-            <a:endParaRPr lang="de-DE" dirty="0"/>
-          </a:p>
-        </p:txBody>
-      </p:sp>
-      <p:sp>
-        <p:nvSpPr>
-          <p:cNvPr id="3" name="Inhaltsplatzhalter 2"/>
-          <p:cNvSpPr>
-            <a:spLocks noGrp="1"/>
-          </p:cNvSpPr>
-          <p:nvPr>
-            <p:ph idx="1"/>
-          </p:nvPr>
-        </p:nvSpPr>
-        <p:spPr/>
-        <p:txBody>
-          <a:bodyPr/>
-          <a:lstStyle/>
-          <a:p>
-            <a:r>
-              <a:rPr lang="de-DE" dirty="0" smtClean="0"/>
-              <a:t>Erforderliche Eigenschaft</a:t>
-            </a:r>
-          </a:p>
-          <a:p>
-            <a:endParaRPr lang="de-DE" dirty="0"/>
-          </a:p>
-          <a:p>
-            <a:endParaRPr lang="de-DE" dirty="0" smtClean="0"/>
-          </a:p>
-          <a:p>
-            <a:endParaRPr lang="de-DE" dirty="0" smtClean="0"/>
-          </a:p>
-          <a:p>
-            <a:endParaRPr lang="de-DE" dirty="0"/>
-          </a:p>
-          <a:p>
-            <a:r>
-              <a:rPr lang="de-DE" dirty="0" smtClean="0"/>
-              <a:t>Minimale/Maximale Länge</a:t>
-            </a:r>
-          </a:p>
-          <a:p>
-            <a:endParaRPr lang="de-DE" dirty="0"/>
-          </a:p>
-          <a:p>
-            <a:endParaRPr lang="de-DE" dirty="0" smtClean="0"/>
-          </a:p>
-          <a:p>
-            <a:endParaRPr lang="de-DE" dirty="0"/>
-          </a:p>
-        </p:txBody>
-      </p:sp>
-      <p:sp>
-        <p:nvSpPr>
-          <p:cNvPr id="4" name="Foliennummernplatzhalter 3"/>
-          <p:cNvSpPr>
-            <a:spLocks noGrp="1"/>
-          </p:cNvSpPr>
-          <p:nvPr>
-            <p:ph type="sldNum" sz="quarter" idx="12"/>
-          </p:nvPr>
-        </p:nvSpPr>
-        <p:spPr/>
-        <p:txBody>
-          <a:bodyPr/>
-          <a:lstStyle/>
-          <a:p>
-            <a:fld id="{8F35CB8A-22DD-4279-9E9E-A49CDB5FBE56}" type="slidenum">
-              <a:rPr lang="en-US" smtClean="0"/>
-              <a:pPr/>
-              <a:t>32</a:t>
-            </a:fld>
-            <a:endParaRPr lang="en-US" dirty="0"/>
-          </a:p>
-        </p:txBody>
-      </p:sp>
-      <p:pic>
-        <p:nvPicPr>
-          <p:cNvPr id="5" name="Grafik 4"/>
-          <p:cNvPicPr>
-            <a:picLocks noChangeAspect="1"/>
-          </p:cNvPicPr>
-          <p:nvPr/>
-        </p:nvPicPr>
-        <p:blipFill>
-          <a:blip r:embed="rId2"/>
-          <a:stretch>
-            <a:fillRect/>
-          </a:stretch>
-        </p:blipFill>
-        <p:spPr>
-          <a:xfrm>
-            <a:off x="587298" y="1949450"/>
-            <a:ext cx="5743575" cy="1000125"/>
-          </a:xfrm>
-          <a:prstGeom prst="rect">
-            <a:avLst/>
-          </a:prstGeom>
-        </p:spPr>
-      </p:pic>
-      <p:pic>
-        <p:nvPicPr>
-          <p:cNvPr id="6" name="Grafik 5"/>
-          <p:cNvPicPr>
-            <a:picLocks noChangeAspect="1"/>
-          </p:cNvPicPr>
-          <p:nvPr/>
-        </p:nvPicPr>
-        <p:blipFill>
-          <a:blip r:embed="rId3"/>
-          <a:stretch>
-            <a:fillRect/>
-          </a:stretch>
-        </p:blipFill>
-        <p:spPr>
-          <a:xfrm>
-            <a:off x="595313" y="3675605"/>
-            <a:ext cx="5191125" cy="895350"/>
-          </a:xfrm>
-          <a:prstGeom prst="rect">
-            <a:avLst/>
-          </a:prstGeom>
-        </p:spPr>
-      </p:pic>
-    </p:spTree>
-    <p:extLst>
-      <p:ext uri="{BB962C8B-B14F-4D97-AF65-F5344CB8AC3E}">
-        <p14:creationId xmlns:p14="http://schemas.microsoft.com/office/powerpoint/2010/main" val="1853221495"/>
-      </p:ext>
-    </p:extLst>
-  </p:cSld>
-  <p:clrMapOvr>
-    <a:masterClrMapping/>
-  </p:clrMapOvr>
-</p:sld>
-</file>
-
-<file path=ppt/slides/slide33.xml><?xml version="1.0" encoding="utf-8"?>
-<p:sld xmlns:a="http://schemas.openxmlformats.org/drawingml/2006/main" xmlns:r="http://schemas.openxmlformats.org/officeDocument/2006/relationships" xmlns:p="http://schemas.openxmlformats.org/presentationml/2006/main">
-  <p:cSld>
-    <p:spTree>
-      <p:nvGrpSpPr>
-        <p:cNvPr id="1" name=""/>
-        <p:cNvGrpSpPr/>
-        <p:nvPr/>
-      </p:nvGrpSpPr>
-      <p:grpSpPr>
-        <a:xfrm>
-          <a:off x="0" y="0"/>
-          <a:ext cx="0" cy="0"/>
-          <a:chOff x="0" y="0"/>
-          <a:chExt cx="0" cy="0"/>
-        </a:xfrm>
-      </p:grpSpPr>
-      <p:sp>
-        <p:nvSpPr>
-          <p:cNvPr id="2" name="Titel 1"/>
-          <p:cNvSpPr>
-            <a:spLocks noGrp="1"/>
-          </p:cNvSpPr>
-          <p:nvPr>
-            <p:ph type="title"/>
-          </p:nvPr>
-        </p:nvSpPr>
-        <p:spPr/>
-        <p:txBody>
-          <a:bodyPr/>
-          <a:lstStyle/>
-          <a:p>
-            <a:r>
-              <a:rPr lang="de-DE" dirty="0" smtClean="0"/>
-              <a:t>Abbilden auf bestimmte Spalten oder Tabellen</a:t>
-            </a:r>
-            <a:endParaRPr lang="de-DE" dirty="0"/>
-          </a:p>
-        </p:txBody>
-      </p:sp>
-      <p:sp>
-        <p:nvSpPr>
-          <p:cNvPr id="3" name="Inhaltsplatzhalter 2"/>
-          <p:cNvSpPr>
-            <a:spLocks noGrp="1"/>
-          </p:cNvSpPr>
-          <p:nvPr>
-            <p:ph idx="1"/>
-          </p:nvPr>
-        </p:nvSpPr>
-        <p:spPr/>
-        <p:txBody>
-          <a:bodyPr/>
-          <a:lstStyle/>
-          <a:p>
-            <a:r>
-              <a:rPr lang="de-DE" dirty="0" smtClean="0"/>
-              <a:t>Nicht in der Datenbank speichern</a:t>
-            </a:r>
-          </a:p>
-          <a:p>
-            <a:endParaRPr lang="de-DE" dirty="0" smtClean="0"/>
-          </a:p>
-          <a:p>
-            <a:endParaRPr lang="de-DE" dirty="0"/>
-          </a:p>
-          <a:p>
-            <a:endParaRPr lang="de-DE" dirty="0" smtClean="0"/>
-          </a:p>
-          <a:p>
-            <a:endParaRPr lang="de-DE" dirty="0"/>
-          </a:p>
-          <a:p>
-            <a:r>
-              <a:rPr lang="de-DE" dirty="0" smtClean="0"/>
-              <a:t>Auf eine bestimmte Spalte abbilden</a:t>
-            </a:r>
-          </a:p>
-          <a:p>
-            <a:endParaRPr lang="de-DE" dirty="0" smtClean="0"/>
-          </a:p>
-          <a:p>
-            <a:endParaRPr lang="de-DE" dirty="0"/>
-          </a:p>
-          <a:p>
-            <a:endParaRPr lang="de-DE" dirty="0"/>
-          </a:p>
-          <a:p>
-            <a:r>
-              <a:rPr lang="de-DE" dirty="0" smtClean="0"/>
-              <a:t>Eine Entity auf eine andere Tabelle abbilden</a:t>
-            </a:r>
-          </a:p>
-          <a:p>
-            <a:endParaRPr lang="de-DE" dirty="0"/>
-          </a:p>
-          <a:p>
-            <a:endParaRPr lang="de-DE" dirty="0"/>
-          </a:p>
-        </p:txBody>
-      </p:sp>
-      <p:sp>
-        <p:nvSpPr>
-          <p:cNvPr id="4" name="Foliennummernplatzhalter 3"/>
-          <p:cNvSpPr>
-            <a:spLocks noGrp="1"/>
-          </p:cNvSpPr>
-          <p:nvPr>
-            <p:ph type="sldNum" sz="quarter" idx="12"/>
-          </p:nvPr>
-        </p:nvSpPr>
-        <p:spPr/>
-        <p:txBody>
-          <a:bodyPr/>
-          <a:lstStyle/>
-          <a:p>
-            <a:fld id="{8F35CB8A-22DD-4279-9E9E-A49CDB5FBE56}" type="slidenum">
-              <a:rPr lang="en-US" smtClean="0"/>
-              <a:pPr/>
-              <a:t>33</a:t>
-            </a:fld>
-            <a:endParaRPr lang="en-US" dirty="0"/>
-          </a:p>
-        </p:txBody>
-      </p:sp>
-      <p:pic>
-        <p:nvPicPr>
-          <p:cNvPr id="5" name="Grafik 4"/>
-          <p:cNvPicPr>
-            <a:picLocks noChangeAspect="1"/>
-          </p:cNvPicPr>
-          <p:nvPr/>
-        </p:nvPicPr>
-        <p:blipFill>
-          <a:blip r:embed="rId2"/>
-          <a:stretch>
-            <a:fillRect/>
-          </a:stretch>
-        </p:blipFill>
-        <p:spPr>
-          <a:xfrm>
-            <a:off x="595312" y="1763125"/>
-            <a:ext cx="6320155" cy="1072902"/>
-          </a:xfrm>
-          <a:prstGeom prst="rect">
-            <a:avLst/>
-          </a:prstGeom>
-        </p:spPr>
-      </p:pic>
-      <p:pic>
-        <p:nvPicPr>
-          <p:cNvPr id="6" name="Grafik 5"/>
-          <p:cNvPicPr>
-            <a:picLocks noChangeAspect="1"/>
-          </p:cNvPicPr>
-          <p:nvPr/>
-        </p:nvPicPr>
-        <p:blipFill>
-          <a:blip r:embed="rId3"/>
-          <a:stretch>
-            <a:fillRect/>
-          </a:stretch>
-        </p:blipFill>
-        <p:spPr>
-          <a:xfrm>
-            <a:off x="671513" y="3429793"/>
-            <a:ext cx="7429500" cy="819150"/>
-          </a:xfrm>
-          <a:prstGeom prst="rect">
-            <a:avLst/>
-          </a:prstGeom>
-        </p:spPr>
-      </p:pic>
-      <p:pic>
-        <p:nvPicPr>
-          <p:cNvPr id="7" name="Grafik 6"/>
-          <p:cNvPicPr>
-            <a:picLocks noChangeAspect="1"/>
-          </p:cNvPicPr>
-          <p:nvPr/>
-        </p:nvPicPr>
-        <p:blipFill>
-          <a:blip r:embed="rId4"/>
-          <a:stretch>
-            <a:fillRect/>
-          </a:stretch>
-        </p:blipFill>
-        <p:spPr>
-          <a:xfrm>
-            <a:off x="595313" y="5076855"/>
-            <a:ext cx="4095750" cy="723900"/>
-          </a:xfrm>
-          <a:prstGeom prst="rect">
-            <a:avLst/>
-          </a:prstGeom>
-        </p:spPr>
-      </p:pic>
-    </p:spTree>
-    <p:extLst>
-      <p:ext uri="{BB962C8B-B14F-4D97-AF65-F5344CB8AC3E}">
-        <p14:creationId xmlns:p14="http://schemas.microsoft.com/office/powerpoint/2010/main" val="3624025726"/>
-      </p:ext>
-    </p:extLst>
-  </p:cSld>
-  <p:clrMapOvr>
-    <a:masterClrMapping/>
-  </p:clrMapOvr>
-</p:sld>
-</file>
-
-<file path=ppt/slides/slide34.xml><?xml version="1.0" encoding="utf-8"?>
-<p:sld xmlns:a="http://schemas.openxmlformats.org/drawingml/2006/main" xmlns:r="http://schemas.openxmlformats.org/officeDocument/2006/relationships" xmlns:p="http://schemas.openxmlformats.org/presentationml/2006/main">
-  <p:cSld>
-    <p:spTree>
-      <p:nvGrpSpPr>
-        <p:cNvPr id="1" name=""/>
-        <p:cNvGrpSpPr/>
-        <p:nvPr/>
-      </p:nvGrpSpPr>
-      <p:grpSpPr>
-        <a:xfrm>
-          <a:off x="0" y="0"/>
-          <a:ext cx="0" cy="0"/>
-          <a:chOff x="0" y="0"/>
-          <a:chExt cx="0" cy="0"/>
-        </a:xfrm>
-      </p:grpSpPr>
-      <p:sp>
-        <p:nvSpPr>
-          <p:cNvPr id="2" name="Titel 1"/>
-          <p:cNvSpPr>
-            <a:spLocks noGrp="1"/>
-          </p:cNvSpPr>
-          <p:nvPr>
-            <p:ph type="title"/>
-          </p:nvPr>
-        </p:nvSpPr>
-        <p:spPr/>
-        <p:txBody>
-          <a:bodyPr/>
-          <a:lstStyle/>
-          <a:p>
-            <a:r>
-              <a:rPr lang="de-DE" dirty="0" smtClean="0"/>
-              <a:t>Fremdschlüsselbeziehungen angeben</a:t>
-            </a:r>
-            <a:endParaRPr lang="de-DE" dirty="0"/>
-          </a:p>
-        </p:txBody>
-      </p:sp>
-      <p:sp>
-        <p:nvSpPr>
-          <p:cNvPr id="3" name="Inhaltsplatzhalter 2"/>
-          <p:cNvSpPr>
-            <a:spLocks noGrp="1"/>
-          </p:cNvSpPr>
-          <p:nvPr>
-            <p:ph idx="1"/>
-          </p:nvPr>
-        </p:nvSpPr>
-        <p:spPr>
-          <a:xfrm>
-            <a:off x="636515" y="1341438"/>
-            <a:ext cx="10968110" cy="4735197"/>
-          </a:xfrm>
-        </p:spPr>
-        <p:txBody>
-          <a:bodyPr/>
-          <a:lstStyle/>
-          <a:p>
-            <a:r>
-              <a:rPr lang="de-DE" dirty="0" smtClean="0"/>
-              <a:t>Fremdschlüsselbeziehung für eine Navigationseigenschaft angeben</a:t>
-            </a:r>
-          </a:p>
-          <a:p>
-            <a:endParaRPr lang="de-DE" dirty="0" smtClean="0"/>
-          </a:p>
-          <a:p>
-            <a:endParaRPr lang="de-DE" dirty="0"/>
-          </a:p>
-          <a:p>
-            <a:endParaRPr lang="de-DE" dirty="0"/>
-          </a:p>
-          <a:p>
-            <a:endParaRPr lang="de-DE" dirty="0" smtClean="0"/>
-          </a:p>
-          <a:p>
-            <a:endParaRPr lang="de-DE" dirty="0"/>
-          </a:p>
-          <a:p>
-            <a:endParaRPr lang="de-DE" dirty="0" smtClean="0"/>
-          </a:p>
-          <a:p>
-            <a:r>
-              <a:rPr lang="de-DE" dirty="0" smtClean="0"/>
-              <a:t>Auf der anderen Seite eine InverseProperty</a:t>
-            </a:r>
-          </a:p>
-          <a:p>
-            <a:endParaRPr lang="de-DE" dirty="0"/>
-          </a:p>
-        </p:txBody>
-      </p:sp>
-      <p:sp>
-        <p:nvSpPr>
-          <p:cNvPr id="4" name="Foliennummernplatzhalter 3"/>
-          <p:cNvSpPr>
-            <a:spLocks noGrp="1"/>
-          </p:cNvSpPr>
-          <p:nvPr>
-            <p:ph type="sldNum" sz="quarter" idx="12"/>
-          </p:nvPr>
-        </p:nvSpPr>
-        <p:spPr/>
-        <p:txBody>
-          <a:bodyPr/>
-          <a:lstStyle/>
-          <a:p>
-            <a:fld id="{8F35CB8A-22DD-4279-9E9E-A49CDB5FBE56}" type="slidenum">
-              <a:rPr lang="en-US" smtClean="0"/>
-              <a:pPr/>
-              <a:t>34</a:t>
-            </a:fld>
-            <a:endParaRPr lang="en-US" dirty="0"/>
-          </a:p>
-        </p:txBody>
-      </p:sp>
-      <p:pic>
-        <p:nvPicPr>
-          <p:cNvPr id="5" name="Grafik 4"/>
-          <p:cNvPicPr>
-            <a:picLocks noChangeAspect="1"/>
-          </p:cNvPicPr>
-          <p:nvPr/>
-        </p:nvPicPr>
-        <p:blipFill>
-          <a:blip r:embed="rId2"/>
-          <a:stretch>
-            <a:fillRect/>
-          </a:stretch>
-        </p:blipFill>
-        <p:spPr>
-          <a:xfrm>
-            <a:off x="595313" y="1721156"/>
-            <a:ext cx="7286625" cy="1752600"/>
-          </a:xfrm>
-          <a:prstGeom prst="rect">
-            <a:avLst/>
-          </a:prstGeom>
-        </p:spPr>
-      </p:pic>
-      <p:pic>
-        <p:nvPicPr>
-          <p:cNvPr id="6" name="Grafik 5"/>
-          <p:cNvPicPr>
-            <a:picLocks noChangeAspect="1"/>
-          </p:cNvPicPr>
-          <p:nvPr/>
-        </p:nvPicPr>
-        <p:blipFill>
-          <a:blip r:embed="rId3"/>
-          <a:stretch>
-            <a:fillRect/>
-          </a:stretch>
-        </p:blipFill>
-        <p:spPr>
-          <a:xfrm>
-            <a:off x="636515" y="4275678"/>
-            <a:ext cx="7734300" cy="1543050"/>
-          </a:xfrm>
-          <a:prstGeom prst="rect">
-            <a:avLst/>
-          </a:prstGeom>
-        </p:spPr>
-      </p:pic>
-    </p:spTree>
-    <p:extLst>
-      <p:ext uri="{BB962C8B-B14F-4D97-AF65-F5344CB8AC3E}">
-        <p14:creationId xmlns:p14="http://schemas.microsoft.com/office/powerpoint/2010/main" val="1602154903"/>
-      </p:ext>
-    </p:extLst>
-  </p:cSld>
-  <p:clrMapOvr>
-    <a:masterClrMapping/>
-  </p:clrMapOvr>
-</p:sld>
-</file>
-
-<file path=ppt/slides/slide35.xml><?xml version="1.0" encoding="utf-8"?>
-<p:sld xmlns:a="http://schemas.openxmlformats.org/drawingml/2006/main" xmlns:r="http://schemas.openxmlformats.org/officeDocument/2006/relationships" xmlns:p="http://schemas.openxmlformats.org/presentationml/2006/main" show="0">
-  <p:cSld>
-    <p:spTree>
-      <p:nvGrpSpPr>
-        <p:cNvPr id="1" name=""/>
-        <p:cNvGrpSpPr/>
-        <p:nvPr/>
-      </p:nvGrpSpPr>
-      <p:grpSpPr>
-        <a:xfrm>
-          <a:off x="0" y="0"/>
-          <a:ext cx="0" cy="0"/>
-          <a:chOff x="0" y="0"/>
-          <a:chExt cx="0" cy="0"/>
-        </a:xfrm>
-      </p:grpSpPr>
-      <p:sp>
-        <p:nvSpPr>
-          <p:cNvPr id="2" name="Titel 1"/>
-          <p:cNvSpPr>
-            <a:spLocks noGrp="1"/>
-          </p:cNvSpPr>
-          <p:nvPr>
-            <p:ph type="title"/>
-          </p:nvPr>
-        </p:nvSpPr>
-        <p:spPr/>
-        <p:txBody>
-          <a:bodyPr/>
-          <a:lstStyle/>
-          <a:p>
-            <a:r>
-              <a:rPr lang="de-DE" dirty="0" smtClean="0"/>
-              <a:t>Data AnnotATions vs. Fluent-API</a:t>
-            </a:r>
-            <a:endParaRPr lang="de-DE" dirty="0"/>
-          </a:p>
-        </p:txBody>
-      </p:sp>
-      <p:pic>
-        <p:nvPicPr>
-          <p:cNvPr id="5" name="Inhaltsplatzhalter 4"/>
-          <p:cNvPicPr>
-            <a:picLocks noGrp="1" noChangeAspect="1"/>
-          </p:cNvPicPr>
-          <p:nvPr>
-            <p:ph idx="1"/>
-          </p:nvPr>
-        </p:nvPicPr>
-        <p:blipFill>
-          <a:blip r:embed="rId2"/>
-          <a:stretch>
-            <a:fillRect/>
-          </a:stretch>
-        </p:blipFill>
-        <p:spPr>
-          <a:xfrm>
-            <a:off x="781111" y="1341438"/>
-            <a:ext cx="5011615" cy="4826000"/>
-          </a:xfrm>
-          <a:prstGeom prst="rect">
-            <a:avLst/>
-          </a:prstGeom>
-        </p:spPr>
-      </p:pic>
-      <p:sp>
-        <p:nvSpPr>
-          <p:cNvPr id="4" name="Foliennummernplatzhalter 3"/>
-          <p:cNvSpPr>
-            <a:spLocks noGrp="1"/>
-          </p:cNvSpPr>
-          <p:nvPr>
-            <p:ph type="sldNum" sz="quarter" idx="12"/>
-          </p:nvPr>
-        </p:nvSpPr>
-        <p:spPr/>
-        <p:txBody>
-          <a:bodyPr/>
-          <a:lstStyle/>
-          <a:p>
-            <a:fld id="{8F35CB8A-22DD-4279-9E9E-A49CDB5FBE56}" type="slidenum">
-              <a:rPr lang="en-US" smtClean="0"/>
-              <a:pPr/>
-              <a:t>35</a:t>
-            </a:fld>
-            <a:endParaRPr lang="en-US" dirty="0"/>
-          </a:p>
-        </p:txBody>
-      </p:sp>
-      <p:sp>
-        <p:nvSpPr>
-          <p:cNvPr id="6" name="Inhaltsplatzhalter 5"/>
-          <p:cNvSpPr>
-            <a:spLocks noGrp="1"/>
-          </p:cNvSpPr>
-          <p:nvPr>
-            <p:ph idx="13"/>
-          </p:nvPr>
-        </p:nvSpPr>
-        <p:spPr/>
-        <p:txBody>
-          <a:bodyPr/>
-          <a:lstStyle/>
-          <a:p>
-            <a:r>
-              <a:rPr lang="de-DE" dirty="0" smtClean="0"/>
-              <a:t>Fluent-API mächtiger</a:t>
-            </a:r>
-          </a:p>
-          <a:p>
-            <a:r>
-              <a:rPr lang="de-DE" dirty="0" smtClean="0"/>
-              <a:t>Beispiele</a:t>
-            </a:r>
-          </a:p>
-          <a:p>
-            <a:pPr lvl="1"/>
-            <a:r>
-              <a:rPr lang="de-DE" dirty="0" smtClean="0"/>
-              <a:t>Löschweitergabe ausschalten</a:t>
-            </a:r>
-          </a:p>
-          <a:p>
-            <a:pPr lvl="2"/>
-            <a:r>
-              <a:rPr lang="de-DE" dirty="0" smtClean="0"/>
-              <a:t>WillCascadeOnDelete(false)</a:t>
-            </a:r>
-          </a:p>
-          <a:p>
-            <a:pPr lvl="1"/>
-            <a:r>
-              <a:rPr lang="de-DE" dirty="0" smtClean="0"/>
-              <a:t>Feingranulares Mapping auf Navigationseigenschaften</a:t>
-            </a:r>
-          </a:p>
-          <a:p>
-            <a:pPr lvl="2"/>
-            <a:r>
-              <a:rPr lang="de-DE" dirty="0" smtClean="0"/>
-              <a:t>WithMany(..)</a:t>
-            </a:r>
-          </a:p>
-          <a:p>
-            <a:pPr lvl="2"/>
-            <a:r>
-              <a:rPr lang="de-DE" dirty="0" smtClean="0"/>
-              <a:t>WithOptional(..)</a:t>
-            </a:r>
-          </a:p>
-          <a:p>
-            <a:pPr lvl="2"/>
-            <a:r>
-              <a:rPr lang="de-DE" dirty="0" smtClean="0"/>
-              <a:t>WithRequired(..)</a:t>
-            </a:r>
-          </a:p>
-          <a:p>
-            <a:pPr lvl="1"/>
-            <a:r>
-              <a:rPr lang="de-DE" dirty="0" smtClean="0"/>
-              <a:t>Primärschlüssel verstecken</a:t>
-            </a:r>
-          </a:p>
-          <a:p>
-            <a:pPr lvl="2"/>
-            <a:r>
-              <a:rPr lang="de-DE" dirty="0" smtClean="0"/>
-              <a:t>Map(b =&gt; b.MapKey(„HiddenKey“))</a:t>
-            </a:r>
-            <a:endParaRPr lang="de-DE" dirty="0"/>
-          </a:p>
-        </p:txBody>
-      </p:sp>
-    </p:spTree>
-    <p:extLst>
-      <p:ext uri="{BB962C8B-B14F-4D97-AF65-F5344CB8AC3E}">
-        <p14:creationId xmlns:p14="http://schemas.microsoft.com/office/powerpoint/2010/main" val="182197955"/>
-      </p:ext>
-    </p:extLst>
-  </p:cSld>
-  <p:clrMapOvr>
-    <a:masterClrMapping/>
-  </p:clrMapOvr>
-  <mc:AlternateContent xmlns:mc="http://schemas.openxmlformats.org/markup-compatibility/2006" xmlns:p14="http://schemas.microsoft.com/office/powerpoint/2010/main">
-    <mc:Choice Requires="p14">
-      <p:transition spd="slow" p14:dur="2000"/>
-    </mc:Choice>
-    <mc:Fallback xmlns="">
-      <p:transition spd="slow"/>
-    </mc:Fallback>
-  </mc:AlternateContent>
-</p:sld>
-</file>
-
-<file path=ppt/slides/slide36.xml><?xml version="1.0" encoding="utf-8"?>
-<p:sld xmlns:a="http://schemas.openxmlformats.org/drawingml/2006/main" xmlns:r="http://schemas.openxmlformats.org/officeDocument/2006/relationships" xmlns:p="http://schemas.openxmlformats.org/presentationml/2006/main">
-  <p:cSld>
-    <p:spTree>
-      <p:nvGrpSpPr>
-        <p:cNvPr id="1" name=""/>
-        <p:cNvGrpSpPr/>
-        <p:nvPr/>
-      </p:nvGrpSpPr>
-      <p:grpSpPr>
-        <a:xfrm>
-          <a:off x="0" y="0"/>
-          <a:ext cx="0" cy="0"/>
-          <a:chOff x="0" y="0"/>
-          <a:chExt cx="0" cy="0"/>
-        </a:xfrm>
-      </p:grpSpPr>
-      <p:sp>
-        <p:nvSpPr>
-          <p:cNvPr id="6" name="Titel 5"/>
-          <p:cNvSpPr>
-            <a:spLocks noGrp="1"/>
-          </p:cNvSpPr>
-          <p:nvPr>
-            <p:ph type="title"/>
-          </p:nvPr>
-        </p:nvSpPr>
-        <p:spPr/>
-        <p:txBody>
-          <a:bodyPr/>
-          <a:lstStyle/>
-          <a:p>
-            <a:r>
-              <a:rPr lang="de-DE" dirty="0" smtClean="0"/>
-              <a:t>HANDS-ON</a:t>
-            </a:r>
-            <a:endParaRPr lang="de-DE" dirty="0"/>
-          </a:p>
-        </p:txBody>
-      </p:sp>
-      <p:sp>
-        <p:nvSpPr>
-          <p:cNvPr id="7" name="Untertitel 6"/>
-          <p:cNvSpPr>
-            <a:spLocks noGrp="1"/>
-          </p:cNvSpPr>
-          <p:nvPr>
-            <p:ph type="subTitle" idx="1"/>
-          </p:nvPr>
-        </p:nvSpPr>
-        <p:spPr/>
-        <p:txBody>
-          <a:bodyPr/>
-          <a:lstStyle/>
-          <a:p>
-            <a:r>
-              <a:rPr lang="de-DE" dirty="0"/>
-              <a:t>03. Datenmodellierung und -abfrage mit dem Entity Framework</a:t>
-            </a:r>
-          </a:p>
-        </p:txBody>
-      </p:sp>
-      <p:sp>
-        <p:nvSpPr>
-          <p:cNvPr id="4" name="Foliennummernplatzhalter 3"/>
-          <p:cNvSpPr>
-            <a:spLocks noGrp="1"/>
-          </p:cNvSpPr>
-          <p:nvPr>
-            <p:ph type="sldNum" sz="quarter" idx="10"/>
-          </p:nvPr>
-        </p:nvSpPr>
-        <p:spPr/>
-        <p:txBody>
-          <a:bodyPr/>
-          <a:lstStyle/>
-          <a:p>
-            <a:fld id="{8F35CB8A-22DD-4279-9E9E-A49CDB5FBE56}" type="slidenum">
-              <a:rPr lang="en-US" smtClean="0"/>
-              <a:pPr/>
-              <a:t>36</a:t>
-            </a:fld>
-            <a:endParaRPr lang="en-US" dirty="0"/>
-          </a:p>
-        </p:txBody>
-      </p:sp>
-    </p:spTree>
-    <p:extLst>
-      <p:ext uri="{BB962C8B-B14F-4D97-AF65-F5344CB8AC3E}">
-        <p14:creationId xmlns:p14="http://schemas.microsoft.com/office/powerpoint/2010/main" val="1662466920"/>
-      </p:ext>
-    </p:extLst>
-  </p:cSld>
-  <p:clrMapOvr>
-    <a:masterClrMapping/>
-  </p:clrMapOvr>
-</p:sld>
-</file>
-
-<file path=ppt/slides/slide37.xml><?xml version="1.0" encoding="utf-8"?>
-<p:sld xmlns:a="http://schemas.openxmlformats.org/drawingml/2006/main" xmlns:r="http://schemas.openxmlformats.org/officeDocument/2006/relationships" xmlns:p="http://schemas.openxmlformats.org/presentationml/2006/main">
-  <p:cSld>
-    <p:spTree>
-      <p:nvGrpSpPr>
-        <p:cNvPr id="1" name=""/>
-        <p:cNvGrpSpPr/>
-        <p:nvPr/>
-      </p:nvGrpSpPr>
-      <p:grpSpPr>
-        <a:xfrm>
-          <a:off x="0" y="0"/>
-          <a:ext cx="0" cy="0"/>
-          <a:chOff x="0" y="0"/>
-          <a:chExt cx="0" cy="0"/>
-        </a:xfrm>
-      </p:grpSpPr>
-      <p:sp>
-        <p:nvSpPr>
-          <p:cNvPr id="12" name="Foliennummernplatzhalter 11"/>
-          <p:cNvSpPr>
-            <a:spLocks noGrp="1"/>
-          </p:cNvSpPr>
-          <p:nvPr>
-            <p:ph type="sldNum" sz="quarter" idx="10"/>
-          </p:nvPr>
-        </p:nvSpPr>
-        <p:spPr/>
-        <p:txBody>
-          <a:bodyPr/>
-          <a:lstStyle/>
-          <a:p>
-            <a:pPr>
-              <a:defRPr/>
-            </a:pPr>
-            <a:fld id="{447D8812-7F1A-4985-9D5E-D7E4ED464A4E}" type="slidenum">
-              <a:rPr lang="sv-SE" smtClean="0"/>
-              <a:pPr>
-                <a:defRPr/>
-              </a:pPr>
-              <a:t>37</a:t>
-            </a:fld>
-            <a:endParaRPr lang="sv-SE" dirty="0"/>
-          </a:p>
-        </p:txBody>
-      </p:sp>
-    </p:spTree>
-  </p:cSld>
-  <p:clrMapOvr>
-    <a:masterClrMapping/>
-  </p:clrMapOvr>
-  <p:timing>
-    <p:tnLst>
-      <p:par>
-        <p:cTn id="1" dur="indefinite" restart="never" nodeType="tmRoot"/>
-      </p:par>
-    </p:tnLst>
-  </p:timing>
-</p:sld>
-</file>
-
 <file path=ppt/slides/slide4.xml><?xml version="1.0" encoding="utf-8"?>
 <p:sld xmlns:a="http://schemas.openxmlformats.org/drawingml/2006/main" xmlns:r="http://schemas.openxmlformats.org/officeDocument/2006/relationships" xmlns:p="http://schemas.openxmlformats.org/presentationml/2006/main">
   <p:cSld>
@@ -9409,34 +7340,6 @@
             <a:r>
               <a:rPr lang="de-DE" dirty="0" smtClean="0"/>
               <a:t>First</a:t>
-            </a:r>
-            <a:endParaRPr lang="de-DE" dirty="0"/>
-          </a:p>
-          <a:p>
-            <a:pPr marL="342900" indent="-342900">
-              <a:lnSpc>
-                <a:spcPct val="150000"/>
-              </a:lnSpc>
-              <a:buFont typeface="+mj-lt"/>
-              <a:buAutoNum type="arabicPeriod"/>
-            </a:pPr>
-            <a:r>
-              <a:rPr lang="de-DE" dirty="0" err="1" smtClean="0"/>
-              <a:t>Migrations</a:t>
-            </a:r>
-            <a:endParaRPr lang="de-DE" dirty="0" smtClean="0"/>
-          </a:p>
-          <a:p>
-            <a:pPr marL="342900" indent="-342900">
-              <a:lnSpc>
-                <a:spcPct val="150000"/>
-              </a:lnSpc>
-              <a:buFont typeface="+mj-lt"/>
-              <a:buAutoNum type="arabicPeriod"/>
-            </a:pPr>
-            <a:r>
-              <a:rPr lang="de-DE" dirty="0" smtClean="0"/>
-              <a:t>Data Annotations</a:t>
             </a:r>
           </a:p>
           <a:p>
